--- a/Lab/投影片.pptx
+++ b/Lab/投影片.pptx
@@ -239,7 +239,7 @@
                 <a:ea typeface="Microsoft JhengHei UI" panose="020B0604030504040204" pitchFamily="34" charset="-120"/>
                 <a:sym typeface="Microsoft JhengHei UI" panose="020B0604030504040204" pitchFamily="34" charset="-120"/>
               </a:rPr>
-              <a:t>2020/12/25</a:t>
+              <a:t>2020/12/26</a:t>
             </a:fld>
             <a:endParaRPr lang="en-US" altLang="zh-TW" dirty="0">
               <a:latin typeface="Microsoft JhengHei UI" panose="020B0604030504040204" pitchFamily="34" charset="-120"/>
@@ -443,7 +443,7 @@
             <a:fld id="{AA006804-164C-4CDA-8F38-2D5258C292C6}" type="datetime1">
               <a:rPr lang="zh-TW" altLang="en-US" smtClean="0"/>
               <a:pPr/>
-              <a:t>2020/12/25</a:t>
+              <a:t>2020/12/26</a:t>
             </a:fld>
             <a:endParaRPr lang="zh-TW" altLang="en-US" dirty="0"/>
           </a:p>
@@ -8035,8 +8035,8 @@
         </p:nvSpPr>
         <p:spPr>
           <a:xfrm>
-            <a:off x="6168887" y="4245294"/>
-            <a:ext cx="3811589" cy="1665176"/>
+            <a:off x="5253247" y="3640376"/>
+            <a:ext cx="4770946" cy="1602932"/>
           </a:xfrm>
         </p:spPr>
         <p:txBody>
@@ -8044,11 +8044,21 @@
           <a:lstStyle/>
           <a:p>
             <a:pPr rtl="0"/>
-            <a:endParaRPr lang="en-US" altLang="zh-TW" sz="2500" b="1" i="0" dirty="0">
-              <a:latin typeface="+mn-lt"/>
-              <a:ea typeface="Microsoft JhengHei UI" panose="020B0604030504040204" pitchFamily="34" charset="-120"/>
-              <a:sym typeface="Microsoft JhengHei UI" panose="020B0604030504040204" pitchFamily="34" charset="-120"/>
-            </a:endParaRPr>
+            <a:br>
+              <a:rPr lang="en-US" altLang="zh-TW" sz="2500" b="1" i="0" dirty="0">
+                <a:latin typeface="+mn-lt"/>
+                <a:ea typeface="Microsoft JhengHei UI" panose="020B0604030504040204" pitchFamily="34" charset="-120"/>
+                <a:sym typeface="Microsoft JhengHei UI" panose="020B0604030504040204" pitchFamily="34" charset="-120"/>
+              </a:rPr>
+            </a:br>
+            <a:r>
+              <a:rPr lang="en-US" altLang="zh-TW" sz="2500" b="1" i="0" dirty="0">
+                <a:latin typeface="+mn-lt"/>
+                <a:ea typeface="Microsoft JhengHei UI" panose="020B0604030504040204" pitchFamily="34" charset="-120"/>
+                <a:sym typeface="Microsoft JhengHei UI" panose="020B0604030504040204" pitchFamily="34" charset="-120"/>
+              </a:rPr>
+              <a:t>Natural Language Processing:</a:t>
+            </a:r>
           </a:p>
           <a:p>
             <a:pPr rtl="0"/>
@@ -8158,6 +8168,253 @@
               <a:t>RoBERTa</a:t>
             </a:r>
             <a:endParaRPr lang="en-US" sz="7000" b="1" dirty="0"/>
+          </a:p>
+        </p:txBody>
+      </p:sp>
+      <p:sp>
+        <p:nvSpPr>
+          <p:cNvPr id="6" name="副標題 3">
+            <a:extLst>
+              <a:ext uri="{FF2B5EF4-FFF2-40B4-BE49-F238E27FC236}">
+                <a16:creationId xmlns:a16="http://schemas.microsoft.com/office/drawing/2014/main" id="{B3C4088F-7ED3-914F-9966-EEFD96FCF469}"/>
+              </a:ext>
+            </a:extLst>
+          </p:cNvPr>
+          <p:cNvSpPr txBox="1">
+            <a:spLocks/>
+          </p:cNvSpPr>
+          <p:nvPr/>
+        </p:nvSpPr>
+        <p:spPr>
+          <a:xfrm>
+            <a:off x="658377" y="5966500"/>
+            <a:ext cx="9322099" cy="835033"/>
+          </a:xfrm>
+          <a:prstGeom prst="rect">
+            <a:avLst/>
+          </a:prstGeom>
+          <a:solidFill>
+            <a:schemeClr val="tx1"/>
+          </a:solidFill>
+        </p:spPr>
+        <p:txBody>
+          <a:bodyPr vert="horz" lIns="252000" tIns="0" rIns="0" bIns="0" rtlCol="0" anchor="ctr">
+            <a:noAutofit/>
+          </a:bodyPr>
+          <a:lstStyle>
+            <a:lvl1pPr marL="0" indent="0" algn="l" defTabSz="914400" rtl="0" eaLnBrk="1" latinLnBrk="0" hangingPunct="1">
+              <a:lnSpc>
+                <a:spcPct val="100000"/>
+              </a:lnSpc>
+              <a:spcBef>
+                <a:spcPts val="1000"/>
+              </a:spcBef>
+              <a:buFont typeface="Arial" panose="020B0604020202020204" pitchFamily="34" charset="0"/>
+              <a:buNone/>
+              <a:defRPr sz="1800" i="1" kern="1200">
+                <a:solidFill>
+                  <a:schemeClr val="bg1"/>
+                </a:solidFill>
+                <a:latin typeface="Microsoft JhengHei UI" panose="020B0604030504040204" pitchFamily="34" charset="-120"/>
+                <a:ea typeface="Microsoft JhengHei UI" panose="020B0604030504040204" pitchFamily="34" charset="-120"/>
+                <a:cs typeface="Times New Roman" panose="02020603050405020304" pitchFamily="18" charset="0"/>
+                <a:sym typeface="Microsoft JhengHei UI" panose="020B0604030504040204" pitchFamily="34" charset="-120"/>
+              </a:defRPr>
+            </a:lvl1pPr>
+            <a:lvl2pPr marL="457200" indent="0" algn="ctr" defTabSz="914400" rtl="0" eaLnBrk="1" latinLnBrk="0" hangingPunct="1">
+              <a:lnSpc>
+                <a:spcPct val="90000"/>
+              </a:lnSpc>
+              <a:spcBef>
+                <a:spcPts val="500"/>
+              </a:spcBef>
+              <a:buFont typeface="Arial" panose="020B0604020202020204" pitchFamily="34" charset="0"/>
+              <a:buNone/>
+              <a:defRPr sz="2000" kern="1200">
+                <a:solidFill>
+                  <a:schemeClr val="tx1"/>
+                </a:solidFill>
+                <a:latin typeface="Microsoft JhengHei UI" panose="020B0604030504040204" pitchFamily="34" charset="-120"/>
+                <a:ea typeface="Microsoft JhengHei UI" panose="020B0604030504040204" pitchFamily="34" charset="-120"/>
+                <a:cs typeface="+mn-cs"/>
+                <a:sym typeface="Microsoft JhengHei UI" panose="020B0604030504040204" pitchFamily="34" charset="-120"/>
+              </a:defRPr>
+            </a:lvl2pPr>
+            <a:lvl3pPr marL="914400" indent="0" algn="ctr" defTabSz="914400" rtl="0" eaLnBrk="1" latinLnBrk="0" hangingPunct="1">
+              <a:lnSpc>
+                <a:spcPct val="90000"/>
+              </a:lnSpc>
+              <a:spcBef>
+                <a:spcPts val="500"/>
+              </a:spcBef>
+              <a:buFont typeface="Arial" panose="020B0604020202020204" pitchFamily="34" charset="0"/>
+              <a:buNone/>
+              <a:defRPr sz="1800" kern="1200">
+                <a:solidFill>
+                  <a:schemeClr val="tx1"/>
+                </a:solidFill>
+                <a:latin typeface="Microsoft JhengHei UI" panose="020B0604030504040204" pitchFamily="34" charset="-120"/>
+                <a:ea typeface="Microsoft JhengHei UI" panose="020B0604030504040204" pitchFamily="34" charset="-120"/>
+                <a:cs typeface="+mn-cs"/>
+                <a:sym typeface="Microsoft JhengHei UI" panose="020B0604030504040204" pitchFamily="34" charset="-120"/>
+              </a:defRPr>
+            </a:lvl3pPr>
+            <a:lvl4pPr marL="1371600" indent="0" algn="ctr" defTabSz="914400" rtl="0" eaLnBrk="1" latinLnBrk="0" hangingPunct="1">
+              <a:lnSpc>
+                <a:spcPct val="90000"/>
+              </a:lnSpc>
+              <a:spcBef>
+                <a:spcPts val="500"/>
+              </a:spcBef>
+              <a:buFont typeface="Arial" panose="020B0604020202020204" pitchFamily="34" charset="0"/>
+              <a:buNone/>
+              <a:defRPr sz="1600" kern="1200">
+                <a:solidFill>
+                  <a:schemeClr val="tx1"/>
+                </a:solidFill>
+                <a:latin typeface="Microsoft JhengHei UI" panose="020B0604030504040204" pitchFamily="34" charset="-120"/>
+                <a:ea typeface="Microsoft JhengHei UI" panose="020B0604030504040204" pitchFamily="34" charset="-120"/>
+                <a:cs typeface="+mn-cs"/>
+                <a:sym typeface="Microsoft JhengHei UI" panose="020B0604030504040204" pitchFamily="34" charset="-120"/>
+              </a:defRPr>
+            </a:lvl4pPr>
+            <a:lvl5pPr marL="1828800" indent="0" algn="ctr" defTabSz="914400" rtl="0" eaLnBrk="1" latinLnBrk="0" hangingPunct="1">
+              <a:lnSpc>
+                <a:spcPct val="90000"/>
+              </a:lnSpc>
+              <a:spcBef>
+                <a:spcPts val="500"/>
+              </a:spcBef>
+              <a:buFont typeface="Arial" panose="020B0604020202020204" pitchFamily="34" charset="0"/>
+              <a:buNone/>
+              <a:defRPr sz="1600" kern="1200">
+                <a:solidFill>
+                  <a:schemeClr val="tx1"/>
+                </a:solidFill>
+                <a:latin typeface="Microsoft JhengHei UI" panose="020B0604030504040204" pitchFamily="34" charset="-120"/>
+                <a:ea typeface="Microsoft JhengHei UI" panose="020B0604030504040204" pitchFamily="34" charset="-120"/>
+                <a:cs typeface="+mn-cs"/>
+                <a:sym typeface="Microsoft JhengHei UI" panose="020B0604030504040204" pitchFamily="34" charset="-120"/>
+              </a:defRPr>
+            </a:lvl5pPr>
+            <a:lvl6pPr marL="2286000" indent="0" algn="ctr" defTabSz="914400" rtl="0" eaLnBrk="1" latinLnBrk="0" hangingPunct="1">
+              <a:lnSpc>
+                <a:spcPct val="90000"/>
+              </a:lnSpc>
+              <a:spcBef>
+                <a:spcPts val="500"/>
+              </a:spcBef>
+              <a:buFont typeface="Arial" panose="020B0604020202020204" pitchFamily="34" charset="0"/>
+              <a:buNone/>
+              <a:defRPr sz="1600" kern="1200">
+                <a:solidFill>
+                  <a:schemeClr val="tx1"/>
+                </a:solidFill>
+                <a:latin typeface="+mn-lt"/>
+                <a:ea typeface="+mn-ea"/>
+                <a:cs typeface="+mn-cs"/>
+              </a:defRPr>
+            </a:lvl6pPr>
+            <a:lvl7pPr marL="2743200" indent="0" algn="ctr" defTabSz="914400" rtl="0" eaLnBrk="1" latinLnBrk="0" hangingPunct="1">
+              <a:lnSpc>
+                <a:spcPct val="90000"/>
+              </a:lnSpc>
+              <a:spcBef>
+                <a:spcPts val="500"/>
+              </a:spcBef>
+              <a:buFont typeface="Arial" panose="020B0604020202020204" pitchFamily="34" charset="0"/>
+              <a:buNone/>
+              <a:defRPr sz="1600" kern="1200">
+                <a:solidFill>
+                  <a:schemeClr val="tx1"/>
+                </a:solidFill>
+                <a:latin typeface="+mn-lt"/>
+                <a:ea typeface="+mn-ea"/>
+                <a:cs typeface="+mn-cs"/>
+              </a:defRPr>
+            </a:lvl7pPr>
+            <a:lvl8pPr marL="3200400" indent="0" algn="ctr" defTabSz="914400" rtl="0" eaLnBrk="1" latinLnBrk="0" hangingPunct="1">
+              <a:lnSpc>
+                <a:spcPct val="90000"/>
+              </a:lnSpc>
+              <a:spcBef>
+                <a:spcPts val="500"/>
+              </a:spcBef>
+              <a:buFont typeface="Arial" panose="020B0604020202020204" pitchFamily="34" charset="0"/>
+              <a:buNone/>
+              <a:defRPr sz="1600" kern="1200">
+                <a:solidFill>
+                  <a:schemeClr val="tx1"/>
+                </a:solidFill>
+                <a:latin typeface="+mn-lt"/>
+                <a:ea typeface="+mn-ea"/>
+                <a:cs typeface="+mn-cs"/>
+              </a:defRPr>
+            </a:lvl8pPr>
+            <a:lvl9pPr marL="3657600" indent="0" algn="ctr" defTabSz="914400" rtl="0" eaLnBrk="1" latinLnBrk="0" hangingPunct="1">
+              <a:lnSpc>
+                <a:spcPct val="90000"/>
+              </a:lnSpc>
+              <a:spcBef>
+                <a:spcPts val="500"/>
+              </a:spcBef>
+              <a:buFont typeface="Arial" panose="020B0604020202020204" pitchFamily="34" charset="0"/>
+              <a:buNone/>
+              <a:defRPr sz="1600" kern="1200">
+                <a:solidFill>
+                  <a:schemeClr val="tx1"/>
+                </a:solidFill>
+                <a:latin typeface="+mn-lt"/>
+                <a:ea typeface="+mn-ea"/>
+                <a:cs typeface="+mn-cs"/>
+              </a:defRPr>
+            </a:lvl9pPr>
+          </a:lstStyle>
+          <a:p>
+            <a:r>
+              <a:rPr lang="en-US" altLang="zh-TW" sz="2200" b="1" i="0" dirty="0">
+                <a:latin typeface="+mn-lt"/>
+              </a:rPr>
+              <a:t>PRJ2020-002  Team Members: </a:t>
+            </a:r>
+            <a:r>
+              <a:rPr lang="zh-TW" altLang="en-US" sz="2200" b="1" i="0" dirty="0">
+                <a:latin typeface="DFKai-SB" panose="03000509000000000000" pitchFamily="65" charset="-120"/>
+                <a:ea typeface="DFKai-SB" panose="03000509000000000000" pitchFamily="65" charset="-120"/>
+              </a:rPr>
+              <a:t>李昱廷 郭為軒 曹仲辰 吳岳霖 林裕峰</a:t>
+            </a:r>
+            <a:endParaRPr lang="en-US" altLang="zh-TW" sz="2200" b="1" i="0" dirty="0">
+              <a:latin typeface="DFKai-SB" panose="03000509000000000000" pitchFamily="65" charset="-120"/>
+              <a:ea typeface="DFKai-SB" panose="03000509000000000000" pitchFamily="65" charset="-120"/>
+            </a:endParaRPr>
+          </a:p>
+          <a:p>
+            <a:r>
+              <a:rPr lang="en-US" altLang="zh-TW" sz="2200" b="1" i="0" dirty="0">
+                <a:latin typeface="DFKai-SB" panose="03000509000000000000" pitchFamily="65" charset="-120"/>
+                <a:ea typeface="DFKai-SB" panose="03000509000000000000" pitchFamily="65" charset="-120"/>
+              </a:rPr>
+              <a:t>	      </a:t>
+            </a:r>
+            <a:r>
+              <a:rPr lang="en-US" altLang="zh-TW" sz="2200" b="1" i="0" dirty="0">
+                <a:latin typeface="+mn-lt"/>
+                <a:ea typeface="DFKai-SB" panose="03000509000000000000" pitchFamily="65" charset="-120"/>
+              </a:rPr>
+              <a:t>Instructor: </a:t>
+            </a:r>
+            <a:r>
+              <a:rPr lang="zh-TW" altLang="en-US" sz="2200" b="1" i="0" dirty="0">
+                <a:latin typeface="+mn-lt"/>
+                <a:ea typeface="DFKai-SB" panose="03000509000000000000" pitchFamily="65" charset="-120"/>
+              </a:rPr>
+              <a:t>        張炎清 教授</a:t>
+            </a:r>
+            <a:endParaRPr lang="en-US" altLang="zh-TW" sz="2200" b="1" i="0" dirty="0">
+              <a:latin typeface="+mn-lt"/>
+              <a:ea typeface="DFKai-SB" panose="03000509000000000000" pitchFamily="65" charset="-120"/>
+            </a:endParaRPr>
           </a:p>
         </p:txBody>
       </p:sp>
@@ -8715,7 +8972,7 @@
                 <a:latin typeface="Calibri" panose="020F0502020204030204" pitchFamily="34" charset="0"/>
                 <a:cs typeface="Calibri" panose="020F0502020204030204" pitchFamily="34" charset="0"/>
               </a:rPr>
-              <a:t>Re-organizing: Optimize with Boom Layer</a:t>
+              <a:t>Re-organize: Optimizing with Boom Layer</a:t>
             </a:r>
             <a:endParaRPr lang="en-US" sz="2400" dirty="0">
               <a:latin typeface="Calibri" panose="020F0502020204030204" pitchFamily="34" charset="0"/>
@@ -8774,7 +9031,7 @@
         </p:nvSpPr>
         <p:spPr>
           <a:xfrm>
-            <a:off x="667117" y="3722402"/>
+            <a:off x="1154104" y="4019887"/>
             <a:ext cx="8424781" cy="477054"/>
           </a:xfrm>
           <a:prstGeom prst="rect">
@@ -8793,7 +9050,7 @@
                 <a:latin typeface="Times New Roman" panose="02020603050405020304" pitchFamily="18" charset="0"/>
                 <a:cs typeface="Times New Roman" panose="02020603050405020304" pitchFamily="18" charset="0"/>
               </a:rPr>
-              <a:t>Target: Enhancing the Dependency Mechanism of </a:t>
+              <a:t>Enhancing the Dependency Mechanism of </a:t>
             </a:r>
             <a:r>
               <a:rPr lang="en-US" sz="2500" b="1" dirty="0" err="1">
@@ -9297,7 +9554,246 @@
           <a:p>
             <a:r>
               <a:rPr lang="en-US" sz="2800" b="1" dirty="0"/>
-              <a:t>Conclusion</a:t>
+              <a:t>Conclusions</a:t>
+            </a:r>
+          </a:p>
+        </p:txBody>
+      </p:sp>
+      <p:sp>
+        <p:nvSpPr>
+          <p:cNvPr id="3" name="文字方塊 2">
+            <a:extLst>
+              <a:ext uri="{FF2B5EF4-FFF2-40B4-BE49-F238E27FC236}">
+                <a16:creationId xmlns:a16="http://schemas.microsoft.com/office/drawing/2014/main" id="{F40C8BBC-9339-4C5C-A66C-50E9ED01322F}"/>
+              </a:ext>
+            </a:extLst>
+          </p:cNvPr>
+          <p:cNvSpPr txBox="1"/>
+          <p:nvPr/>
+        </p:nvSpPr>
+        <p:spPr>
+          <a:xfrm>
+            <a:off x="1063765" y="1639362"/>
+            <a:ext cx="10559429" cy="769441"/>
+          </a:xfrm>
+          <a:prstGeom prst="rect">
+            <a:avLst/>
+          </a:prstGeom>
+          <a:noFill/>
+        </p:spPr>
+        <p:txBody>
+          <a:bodyPr wrap="none" rtlCol="0">
+            <a:spAutoFit/>
+          </a:bodyPr>
+          <a:lstStyle/>
+          <a:p>
+            <a:r>
+              <a:rPr lang="en-US" sz="2200" dirty="0">
+                <a:latin typeface="Calibri" panose="020F0502020204030204" pitchFamily="34" charset="0"/>
+                <a:cs typeface="Calibri" panose="020F0502020204030204" pitchFamily="34" charset="0"/>
+              </a:rPr>
+              <a:t>We introduced a language representation model called “EDM-</a:t>
+            </a:r>
+            <a:r>
+              <a:rPr lang="en-US" sz="2200" dirty="0" err="1">
+                <a:latin typeface="Calibri" panose="020F0502020204030204" pitchFamily="34" charset="0"/>
+                <a:cs typeface="Calibri" panose="020F0502020204030204" pitchFamily="34" charset="0"/>
+              </a:rPr>
+              <a:t>RoBERTa</a:t>
+            </a:r>
+            <a:r>
+              <a:rPr lang="en-US" sz="2200" dirty="0">
+                <a:latin typeface="Calibri" panose="020F0502020204030204" pitchFamily="34" charset="0"/>
+                <a:cs typeface="Calibri" panose="020F0502020204030204" pitchFamily="34" charset="0"/>
+              </a:rPr>
+              <a:t>”, which stands for </a:t>
+            </a:r>
+            <a:br>
+              <a:rPr lang="en-US" sz="2200" dirty="0">
+                <a:latin typeface="Calibri" panose="020F0502020204030204" pitchFamily="34" charset="0"/>
+                <a:cs typeface="Calibri" panose="020F0502020204030204" pitchFamily="34" charset="0"/>
+              </a:rPr>
+            </a:br>
+            <a:r>
+              <a:rPr lang="en-US" sz="2200" dirty="0">
+                <a:latin typeface="Calibri" panose="020F0502020204030204" pitchFamily="34" charset="0"/>
+                <a:cs typeface="Calibri" panose="020F0502020204030204" pitchFamily="34" charset="0"/>
+              </a:rPr>
+              <a:t>“Enhancing the Dependency Mechanism of </a:t>
+            </a:r>
+            <a:r>
+              <a:rPr lang="en-US" sz="2200" dirty="0" err="1">
+                <a:latin typeface="Calibri" panose="020F0502020204030204" pitchFamily="34" charset="0"/>
+                <a:cs typeface="Calibri" panose="020F0502020204030204" pitchFamily="34" charset="0"/>
+              </a:rPr>
+              <a:t>RoBERTa</a:t>
+            </a:r>
+            <a:r>
+              <a:rPr lang="en-US" sz="2200" dirty="0">
+                <a:latin typeface="Calibri" panose="020F0502020204030204" pitchFamily="34" charset="0"/>
+                <a:cs typeface="Calibri" panose="020F0502020204030204" pitchFamily="34" charset="0"/>
+              </a:rPr>
+              <a:t>”.</a:t>
+            </a:r>
+          </a:p>
+        </p:txBody>
+      </p:sp>
+      <p:sp>
+        <p:nvSpPr>
+          <p:cNvPr id="4" name="文字方塊 3">
+            <a:extLst>
+              <a:ext uri="{FF2B5EF4-FFF2-40B4-BE49-F238E27FC236}">
+                <a16:creationId xmlns:a16="http://schemas.microsoft.com/office/drawing/2014/main" id="{535C972E-20D5-4DCB-AFBB-E1252A03BA81}"/>
+              </a:ext>
+            </a:extLst>
+          </p:cNvPr>
+          <p:cNvSpPr txBox="1"/>
+          <p:nvPr/>
+        </p:nvSpPr>
+        <p:spPr>
+          <a:xfrm>
+            <a:off x="1063765" y="2862812"/>
+            <a:ext cx="10927800" cy="769441"/>
+          </a:xfrm>
+          <a:prstGeom prst="rect">
+            <a:avLst/>
+          </a:prstGeom>
+          <a:noFill/>
+        </p:spPr>
+        <p:txBody>
+          <a:bodyPr wrap="none" rtlCol="0">
+            <a:spAutoFit/>
+          </a:bodyPr>
+          <a:lstStyle/>
+          <a:p>
+            <a:r>
+              <a:rPr lang="en-US" sz="2200" dirty="0">
+                <a:latin typeface="Calibri" panose="020F0502020204030204" pitchFamily="34" charset="0"/>
+                <a:cs typeface="Calibri" panose="020F0502020204030204" pitchFamily="34" charset="0"/>
+              </a:rPr>
+              <a:t>EDM-</a:t>
+            </a:r>
+            <a:r>
+              <a:rPr lang="en-US" sz="2200" dirty="0" err="1">
+                <a:latin typeface="Calibri" panose="020F0502020204030204" pitchFamily="34" charset="0"/>
+                <a:cs typeface="Calibri" panose="020F0502020204030204" pitchFamily="34" charset="0"/>
+              </a:rPr>
+              <a:t>RoBERTa</a:t>
+            </a:r>
+            <a:r>
+              <a:rPr lang="en-US" sz="2200" dirty="0">
+                <a:latin typeface="Calibri" panose="020F0502020204030204" pitchFamily="34" charset="0"/>
+                <a:cs typeface="Calibri" panose="020F0502020204030204" pitchFamily="34" charset="0"/>
+              </a:rPr>
+              <a:t> is designed to improve the dependency mechanism, and fine-tuning the whole </a:t>
+            </a:r>
+          </a:p>
+          <a:p>
+            <a:r>
+              <a:rPr lang="en-US" sz="2200" dirty="0">
+                <a:latin typeface="Calibri" panose="020F0502020204030204" pitchFamily="34" charset="0"/>
+                <a:cs typeface="Calibri" panose="020F0502020204030204" pitchFamily="34" charset="0"/>
+              </a:rPr>
+              <a:t>model with “Sentiment Analysis Datasets.</a:t>
+            </a:r>
+          </a:p>
+        </p:txBody>
+      </p:sp>
+      <p:sp>
+        <p:nvSpPr>
+          <p:cNvPr id="5" name="文字方塊 4">
+            <a:extLst>
+              <a:ext uri="{FF2B5EF4-FFF2-40B4-BE49-F238E27FC236}">
+                <a16:creationId xmlns:a16="http://schemas.microsoft.com/office/drawing/2014/main" id="{1ED8058D-F274-4F85-8FE0-141F54DE55C1}"/>
+              </a:ext>
+            </a:extLst>
+          </p:cNvPr>
+          <p:cNvSpPr txBox="1"/>
+          <p:nvPr/>
+        </p:nvSpPr>
+        <p:spPr>
+          <a:xfrm>
+            <a:off x="1110517" y="4086262"/>
+            <a:ext cx="11054501" cy="769441"/>
+          </a:xfrm>
+          <a:prstGeom prst="rect">
+            <a:avLst/>
+          </a:prstGeom>
+          <a:noFill/>
+        </p:spPr>
+        <p:txBody>
+          <a:bodyPr wrap="none" rtlCol="0">
+            <a:spAutoFit/>
+          </a:bodyPr>
+          <a:lstStyle/>
+          <a:p>
+            <a:r>
+              <a:rPr lang="en-US" sz="2200" dirty="0">
+                <a:latin typeface="Calibri" panose="020F0502020204030204" pitchFamily="34" charset="0"/>
+                <a:cs typeface="Calibri" panose="020F0502020204030204" pitchFamily="34" charset="0"/>
+              </a:rPr>
+              <a:t>Experiments and statistics show the model we proposed successfully enhance the dependency </a:t>
+            </a:r>
+          </a:p>
+          <a:p>
+            <a:r>
+              <a:rPr lang="en-US" sz="2200" dirty="0">
+                <a:latin typeface="Calibri" panose="020F0502020204030204" pitchFamily="34" charset="0"/>
+                <a:cs typeface="Calibri" panose="020F0502020204030204" pitchFamily="34" charset="0"/>
+              </a:rPr>
+              <a:t>mechanism on local context.</a:t>
+            </a:r>
+          </a:p>
+        </p:txBody>
+      </p:sp>
+      <p:sp>
+        <p:nvSpPr>
+          <p:cNvPr id="6" name="文字方塊 5">
+            <a:extLst>
+              <a:ext uri="{FF2B5EF4-FFF2-40B4-BE49-F238E27FC236}">
+                <a16:creationId xmlns:a16="http://schemas.microsoft.com/office/drawing/2014/main" id="{4F61AFF0-1A69-4A7E-B1DF-D76B12F32D41}"/>
+              </a:ext>
+            </a:extLst>
+          </p:cNvPr>
+          <p:cNvSpPr txBox="1"/>
+          <p:nvPr/>
+        </p:nvSpPr>
+        <p:spPr>
+          <a:xfrm>
+            <a:off x="1110517" y="5112989"/>
+            <a:ext cx="7246792" cy="430887"/>
+          </a:xfrm>
+          <a:prstGeom prst="rect">
+            <a:avLst/>
+          </a:prstGeom>
+          <a:noFill/>
+        </p:spPr>
+        <p:txBody>
+          <a:bodyPr wrap="none" rtlCol="0">
+            <a:spAutoFit/>
+          </a:bodyPr>
+          <a:lstStyle/>
+          <a:p>
+            <a:r>
+              <a:rPr lang="en-US" sz="2200" dirty="0">
+                <a:latin typeface="Calibri" panose="020F0502020204030204" pitchFamily="34" charset="0"/>
+                <a:cs typeface="Calibri" panose="020F0502020204030204" pitchFamily="34" charset="0"/>
+              </a:rPr>
+              <a:t>EDM-</a:t>
+            </a:r>
+            <a:r>
+              <a:rPr lang="en-US" sz="2200" dirty="0" err="1">
+                <a:latin typeface="Calibri" panose="020F0502020204030204" pitchFamily="34" charset="0"/>
+                <a:cs typeface="Calibri" panose="020F0502020204030204" pitchFamily="34" charset="0"/>
+              </a:rPr>
+              <a:t>RoBERTa</a:t>
+            </a:r>
+            <a:r>
+              <a:rPr lang="en-US" sz="2200" dirty="0">
+                <a:latin typeface="Calibri" panose="020F0502020204030204" pitchFamily="34" charset="0"/>
+                <a:cs typeface="Calibri" panose="020F0502020204030204" pitchFamily="34" charset="0"/>
+              </a:rPr>
+              <a:t> outperforms conventional pre-trained models.</a:t>
             </a:r>
           </a:p>
         </p:txBody>
@@ -10223,7 +10719,7 @@
         </p:nvSpPr>
         <p:spPr>
           <a:xfrm>
-            <a:off x="1118680" y="1537289"/>
+            <a:off x="1118678" y="1577235"/>
             <a:ext cx="6652527" cy="461665"/>
           </a:xfrm>
           <a:prstGeom prst="rect">
@@ -11390,8 +11886,8 @@
         </p:nvSpPr>
         <p:spPr>
           <a:xfrm>
-            <a:off x="2146013" y="2037722"/>
-            <a:ext cx="2593852" cy="461665"/>
+            <a:off x="1790024" y="2339903"/>
+            <a:ext cx="9811212" cy="830997"/>
           </a:xfrm>
           <a:prstGeom prst="rect">
             <a:avLst/>
@@ -11413,7 +11909,17 @@
                 <a:latin typeface="Calibri" panose="020F0502020204030204" pitchFamily="34" charset="0"/>
                 <a:cs typeface="Calibri" panose="020F0502020204030204" pitchFamily="34" charset="0"/>
               </a:rPr>
-              <a:t>Too many heads</a:t>
+              <a:t>Too many heads -&gt; Impossible to process queries from multiple positions</a:t>
+            </a:r>
+          </a:p>
+          <a:p>
+            <a:pPr lvl="6"/>
+            <a:r>
+              <a:rPr lang="en-US" sz="2400" b="1" dirty="0">
+                <a:latin typeface="Calibri" panose="020F0502020204030204" pitchFamily="34" charset="0"/>
+                <a:cs typeface="Calibri" panose="020F0502020204030204" pitchFamily="34" charset="0"/>
+              </a:rPr>
+              <a:t>in parallel.</a:t>
             </a:r>
             <a:endParaRPr lang="en-US" sz="2400" dirty="0">
               <a:latin typeface="Calibri" panose="020F0502020204030204" pitchFamily="34" charset="0"/>
@@ -11436,7 +11942,7 @@
         </p:nvSpPr>
         <p:spPr>
           <a:xfrm>
-            <a:off x="2146013" y="2605508"/>
+            <a:off x="1790025" y="3170900"/>
             <a:ext cx="3747949" cy="461665"/>
           </a:xfrm>
           <a:prstGeom prst="rect">
@@ -11481,8 +11987,8 @@
         </p:nvSpPr>
         <p:spPr>
           <a:xfrm>
-            <a:off x="2146012" y="3256761"/>
-            <a:ext cx="7970753" cy="830997"/>
+            <a:off x="1790024" y="3822153"/>
+            <a:ext cx="9510843" cy="830997"/>
           </a:xfrm>
           <a:prstGeom prst="rect">
             <a:avLst/>
@@ -11533,7 +12039,21 @@
                 <a:latin typeface="Calibri" panose="020F0502020204030204" pitchFamily="34" charset="0"/>
                 <a:cs typeface="Calibri" panose="020F0502020204030204" pitchFamily="34" charset="0"/>
               </a:rPr>
-              <a:t>Optimizing the attention process</a:t>
+              <a:t>We propose EDM-</a:t>
+            </a:r>
+            <a:r>
+              <a:rPr lang="en-US" sz="2400" b="1" dirty="0" err="1">
+                <a:latin typeface="Calibri" panose="020F0502020204030204" pitchFamily="34" charset="0"/>
+                <a:cs typeface="Calibri" panose="020F0502020204030204" pitchFamily="34" charset="0"/>
+              </a:rPr>
+              <a:t>RoBERTa</a:t>
+            </a:r>
+            <a:r>
+              <a:rPr lang="en-US" sz="2400" b="1" dirty="0">
+                <a:latin typeface="Calibri" panose="020F0502020204030204" pitchFamily="34" charset="0"/>
+                <a:cs typeface="Calibri" panose="020F0502020204030204" pitchFamily="34" charset="0"/>
+              </a:rPr>
+              <a:t> to optimize the attention process</a:t>
             </a:r>
           </a:p>
         </p:txBody>
@@ -12376,15 +12896,6 @@
 </file>
 
 <file path=customXml/item1.xml><?xml version="1.0" encoding="utf-8"?>
-<p:properties xmlns:p="http://schemas.microsoft.com/office/2006/metadata/properties" xmlns:xsi="http://www.w3.org/2001/XMLSchema-instance" xmlns:pc="http://schemas.microsoft.com/office/infopath/2007/PartnerControls">
-  <documentManagement>
-    <_ip_UnifiedCompliancePolicyUIAction xmlns="http://schemas.microsoft.com/sharepoint/v3" xsi:nil="true"/>
-    <_ip_UnifiedCompliancePolicyProperties xmlns="http://schemas.microsoft.com/sharepoint/v3" xsi:nil="true"/>
-  </documentManagement>
-</p:properties>
-</file>
-
-<file path=customXml/item2.xml><?xml version="1.0" encoding="utf-8"?>
 <ct:contentTypeSchema xmlns:ct="http://schemas.microsoft.com/office/2006/metadata/contentType" xmlns:ma="http://schemas.microsoft.com/office/2006/metadata/properties/metaAttributes" ct:_="" ma:_="" ma:contentTypeName="Document" ma:contentTypeID="0x010100DEEA25CC0A0AC24199CDC46C25B8B0BC" ma:contentTypeVersion="9" ma:contentTypeDescription="Create a new document." ma:contentTypeScope="" ma:versionID="76e25e1730b4532ab1d5e5b131a96a5a">
   <xsd:schema xmlns:xsd="http://www.w3.org/2001/XMLSchema" xmlns:xs="http://www.w3.org/2001/XMLSchema" xmlns:p="http://schemas.microsoft.com/office/2006/metadata/properties" xmlns:ns1="http://schemas.microsoft.com/sharepoint/v3" xmlns:ns2="6dc4bcd6-49db-4c07-9060-8acfc67cef9f" xmlns:ns3="fb0879af-3eba-417a-a55a-ffe6dcd6ca77" targetNamespace="http://schemas.microsoft.com/office/2006/metadata/properties" ma:root="true" ma:fieldsID="ad1e9281a84c4949647088091c718de3" ns1:_="" ns2:_="" ns3:_="">
     <xsd:import namespace="http://schemas.microsoft.com/sharepoint/v3"/>
@@ -12586,25 +13097,16 @@
 </ct:contentTypeSchema>
 </file>
 
-<file path=customXml/itemProps1.xml><?xml version="1.0" encoding="utf-8"?>
-<ds:datastoreItem xmlns:ds="http://schemas.openxmlformats.org/officeDocument/2006/customXml" ds:itemID="{8FB61CFE-D4DA-4753-A9A5-D482B9609A35}">
-  <ds:schemaRefs>
-    <ds:schemaRef ds:uri="http://schemas.microsoft.com/office/2006/metadata/properties"/>
-    <ds:schemaRef ds:uri="http://schemas.openxmlformats.org/package/2006/metadata/core-properties"/>
-    <ds:schemaRef ds:uri="http://purl.org/dc/elements/1.1/"/>
-    <ds:schemaRef ds:uri="http://schemas.microsoft.com/office/2006/documentManagement/types"/>
-    <ds:schemaRef ds:uri="http://schemas.microsoft.com/sharepoint/v3"/>
-    <ds:schemaRef ds:uri="http://purl.org/dc/terms/"/>
-    <ds:schemaRef ds:uri="http://schemas.microsoft.com/office/infopath/2007/PartnerControls"/>
-    <ds:schemaRef ds:uri="http://www.w3.org/XML/1998/namespace"/>
-    <ds:schemaRef ds:uri="fb0879af-3eba-417a-a55a-ffe6dcd6ca77"/>
-    <ds:schemaRef ds:uri="6dc4bcd6-49db-4c07-9060-8acfc67cef9f"/>
-    <ds:schemaRef ds:uri="http://purl.org/dc/dcmitype/"/>
-  </ds:schemaRefs>
-</ds:datastoreItem>
+<file path=customXml/item2.xml><?xml version="1.0" encoding="utf-8"?>
+<p:properties xmlns:p="http://schemas.microsoft.com/office/2006/metadata/properties" xmlns:xsi="http://www.w3.org/2001/XMLSchema-instance" xmlns:pc="http://schemas.microsoft.com/office/infopath/2007/PartnerControls">
+  <documentManagement>
+    <_ip_UnifiedCompliancePolicyUIAction xmlns="http://schemas.microsoft.com/sharepoint/v3" xsi:nil="true"/>
+    <_ip_UnifiedCompliancePolicyProperties xmlns="http://schemas.microsoft.com/sharepoint/v3" xsi:nil="true"/>
+  </documentManagement>
+</p:properties>
 </file>
 
-<file path=customXml/itemProps2.xml><?xml version="1.0" encoding="utf-8"?>
+<file path=customXml/itemProps1.xml><?xml version="1.0" encoding="utf-8"?>
 <ds:datastoreItem xmlns:ds="http://schemas.openxmlformats.org/officeDocument/2006/customXml" ds:itemID="{58A784AD-7888-482C-A72A-80D3063962ED}">
   <ds:schemaRefs>
     <ds:schemaRef ds:uri="http://schemas.microsoft.com/office/2006/metadata/contentType"/>
@@ -12622,4 +13124,22 @@
     <ds:schemaRef ds:uri="http://schemas.microsoft.com/internal/obd"/>
   </ds:schemaRefs>
 </ds:datastoreItem>
+</file>
+
+<file path=customXml/itemProps2.xml><?xml version="1.0" encoding="utf-8"?>
+<ds:datastoreItem xmlns:ds="http://schemas.openxmlformats.org/officeDocument/2006/customXml" ds:itemID="{8FB61CFE-D4DA-4753-A9A5-D482B9609A35}">
+  <ds:schemaRefs>
+    <ds:schemaRef ds:uri="http://schemas.microsoft.com/office/2006/metadata/properties"/>
+    <ds:schemaRef ds:uri="http://schemas.openxmlformats.org/package/2006/metadata/core-properties"/>
+    <ds:schemaRef ds:uri="http://purl.org/dc/elements/1.1/"/>
+    <ds:schemaRef ds:uri="http://schemas.microsoft.com/office/2006/documentManagement/types"/>
+    <ds:schemaRef ds:uri="http://schemas.microsoft.com/sharepoint/v3"/>
+    <ds:schemaRef ds:uri="http://purl.org/dc/terms/"/>
+    <ds:schemaRef ds:uri="http://schemas.microsoft.com/office/infopath/2007/PartnerControls"/>
+    <ds:schemaRef ds:uri="http://www.w3.org/XML/1998/namespace"/>
+    <ds:schemaRef ds:uri="fb0879af-3eba-417a-a55a-ffe6dcd6ca77"/>
+    <ds:schemaRef ds:uri="6dc4bcd6-49db-4c07-9060-8acfc67cef9f"/>
+    <ds:schemaRef ds:uri="http://purl.org/dc/dcmitype/"/>
+  </ds:schemaRefs>
+</ds:datastoreItem>
 </file>
--- a/Lab/投影片.pptx
+++ b/Lab/投影片.pptx
@@ -239,7 +239,7 @@
                 <a:ea typeface="Microsoft JhengHei UI" panose="020B0604030504040204" pitchFamily="34" charset="-120"/>
                 <a:sym typeface="Microsoft JhengHei UI" panose="020B0604030504040204" pitchFamily="34" charset="-120"/>
               </a:rPr>
-              <a:t>2020/12/26</a:t>
+              <a:t>2020/12/27</a:t>
             </a:fld>
             <a:endParaRPr lang="en-US" altLang="zh-TW" dirty="0">
               <a:latin typeface="Microsoft JhengHei UI" panose="020B0604030504040204" pitchFamily="34" charset="-120"/>
@@ -443,7 +443,7 @@
             <a:fld id="{AA006804-164C-4CDA-8F38-2D5258C292C6}" type="datetime1">
               <a:rPr lang="zh-TW" altLang="en-US" smtClean="0"/>
               <a:pPr/>
-              <a:t>2020/12/26</a:t>
+              <a:t>2020/12/27</a:t>
             </a:fld>
             <a:endParaRPr lang="zh-TW" altLang="en-US" dirty="0"/>
           </a:p>
@@ -8409,7 +8409,7 @@
                 <a:latin typeface="+mn-lt"/>
                 <a:ea typeface="DFKai-SB" panose="03000509000000000000" pitchFamily="65" charset="-120"/>
               </a:rPr>
-              <a:t>        張炎清 教授</a:t>
+              <a:t>         張炎清 教授</a:t>
             </a:r>
             <a:endParaRPr lang="en-US" altLang="zh-TW" sz="2200" b="1" i="0" dirty="0">
               <a:latin typeface="+mn-lt"/>

--- a/Lab/投影片.pptx
+++ b/Lab/投影片.pptx
@@ -9694,7 +9694,7 @@
                 <a:latin typeface="Calibri" panose="020F0502020204030204" pitchFamily="34" charset="0"/>
                 <a:cs typeface="Calibri" panose="020F0502020204030204" pitchFamily="34" charset="0"/>
               </a:rPr>
-              <a:t>model with “Sentiment Analysis Datasets.</a:t>
+              <a:t>model with “Sentiment Analysis Datasets”.</a:t>
             </a:r>
           </a:p>
         </p:txBody>
@@ -12896,6 +12896,15 @@
 </file>
 
 <file path=customXml/item1.xml><?xml version="1.0" encoding="utf-8"?>
+<p:properties xmlns:p="http://schemas.microsoft.com/office/2006/metadata/properties" xmlns:xsi="http://www.w3.org/2001/XMLSchema-instance" xmlns:pc="http://schemas.microsoft.com/office/infopath/2007/PartnerControls">
+  <documentManagement>
+    <_ip_UnifiedCompliancePolicyUIAction xmlns="http://schemas.microsoft.com/sharepoint/v3" xsi:nil="true"/>
+    <_ip_UnifiedCompliancePolicyProperties xmlns="http://schemas.microsoft.com/sharepoint/v3" xsi:nil="true"/>
+  </documentManagement>
+</p:properties>
+</file>
+
+<file path=customXml/item2.xml><?xml version="1.0" encoding="utf-8"?>
 <ct:contentTypeSchema xmlns:ct="http://schemas.microsoft.com/office/2006/metadata/contentType" xmlns:ma="http://schemas.microsoft.com/office/2006/metadata/properties/metaAttributes" ct:_="" ma:_="" ma:contentTypeName="Document" ma:contentTypeID="0x010100DEEA25CC0A0AC24199CDC46C25B8B0BC" ma:contentTypeVersion="9" ma:contentTypeDescription="Create a new document." ma:contentTypeScope="" ma:versionID="76e25e1730b4532ab1d5e5b131a96a5a">
   <xsd:schema xmlns:xsd="http://www.w3.org/2001/XMLSchema" xmlns:xs="http://www.w3.org/2001/XMLSchema" xmlns:p="http://schemas.microsoft.com/office/2006/metadata/properties" xmlns:ns1="http://schemas.microsoft.com/sharepoint/v3" xmlns:ns2="6dc4bcd6-49db-4c07-9060-8acfc67cef9f" xmlns:ns3="fb0879af-3eba-417a-a55a-ffe6dcd6ca77" targetNamespace="http://schemas.microsoft.com/office/2006/metadata/properties" ma:root="true" ma:fieldsID="ad1e9281a84c4949647088091c718de3" ns1:_="" ns2:_="" ns3:_="">
     <xsd:import namespace="http://schemas.microsoft.com/sharepoint/v3"/>
@@ -13097,16 +13106,25 @@
 </ct:contentTypeSchema>
 </file>
 
-<file path=customXml/item2.xml><?xml version="1.0" encoding="utf-8"?>
-<p:properties xmlns:p="http://schemas.microsoft.com/office/2006/metadata/properties" xmlns:xsi="http://www.w3.org/2001/XMLSchema-instance" xmlns:pc="http://schemas.microsoft.com/office/infopath/2007/PartnerControls">
-  <documentManagement>
-    <_ip_UnifiedCompliancePolicyUIAction xmlns="http://schemas.microsoft.com/sharepoint/v3" xsi:nil="true"/>
-    <_ip_UnifiedCompliancePolicyProperties xmlns="http://schemas.microsoft.com/sharepoint/v3" xsi:nil="true"/>
-  </documentManagement>
-</p:properties>
+<file path=customXml/itemProps1.xml><?xml version="1.0" encoding="utf-8"?>
+<ds:datastoreItem xmlns:ds="http://schemas.openxmlformats.org/officeDocument/2006/customXml" ds:itemID="{8FB61CFE-D4DA-4753-A9A5-D482B9609A35}">
+  <ds:schemaRefs>
+    <ds:schemaRef ds:uri="http://schemas.microsoft.com/office/2006/metadata/properties"/>
+    <ds:schemaRef ds:uri="http://schemas.openxmlformats.org/package/2006/metadata/core-properties"/>
+    <ds:schemaRef ds:uri="http://purl.org/dc/elements/1.1/"/>
+    <ds:schemaRef ds:uri="http://schemas.microsoft.com/office/2006/documentManagement/types"/>
+    <ds:schemaRef ds:uri="http://schemas.microsoft.com/sharepoint/v3"/>
+    <ds:schemaRef ds:uri="http://purl.org/dc/terms/"/>
+    <ds:schemaRef ds:uri="http://schemas.microsoft.com/office/infopath/2007/PartnerControls"/>
+    <ds:schemaRef ds:uri="http://www.w3.org/XML/1998/namespace"/>
+    <ds:schemaRef ds:uri="fb0879af-3eba-417a-a55a-ffe6dcd6ca77"/>
+    <ds:schemaRef ds:uri="6dc4bcd6-49db-4c07-9060-8acfc67cef9f"/>
+    <ds:schemaRef ds:uri="http://purl.org/dc/dcmitype/"/>
+  </ds:schemaRefs>
+</ds:datastoreItem>
 </file>
 
-<file path=customXml/itemProps1.xml><?xml version="1.0" encoding="utf-8"?>
+<file path=customXml/itemProps2.xml><?xml version="1.0" encoding="utf-8"?>
 <ds:datastoreItem xmlns:ds="http://schemas.openxmlformats.org/officeDocument/2006/customXml" ds:itemID="{58A784AD-7888-482C-A72A-80D3063962ED}">
   <ds:schemaRefs>
     <ds:schemaRef ds:uri="http://schemas.microsoft.com/office/2006/metadata/contentType"/>
@@ -13124,22 +13142,4 @@
     <ds:schemaRef ds:uri="http://schemas.microsoft.com/internal/obd"/>
   </ds:schemaRefs>
 </ds:datastoreItem>
-</file>
-
-<file path=customXml/itemProps2.xml><?xml version="1.0" encoding="utf-8"?>
-<ds:datastoreItem xmlns:ds="http://schemas.openxmlformats.org/officeDocument/2006/customXml" ds:itemID="{8FB61CFE-D4DA-4753-A9A5-D482B9609A35}">
-  <ds:schemaRefs>
-    <ds:schemaRef ds:uri="http://schemas.microsoft.com/office/2006/metadata/properties"/>
-    <ds:schemaRef ds:uri="http://schemas.openxmlformats.org/package/2006/metadata/core-properties"/>
-    <ds:schemaRef ds:uri="http://purl.org/dc/elements/1.1/"/>
-    <ds:schemaRef ds:uri="http://schemas.microsoft.com/office/2006/documentManagement/types"/>
-    <ds:schemaRef ds:uri="http://schemas.microsoft.com/sharepoint/v3"/>
-    <ds:schemaRef ds:uri="http://purl.org/dc/terms/"/>
-    <ds:schemaRef ds:uri="http://schemas.microsoft.com/office/infopath/2007/PartnerControls"/>
-    <ds:schemaRef ds:uri="http://www.w3.org/XML/1998/namespace"/>
-    <ds:schemaRef ds:uri="fb0879af-3eba-417a-a55a-ffe6dcd6ca77"/>
-    <ds:schemaRef ds:uri="6dc4bcd6-49db-4c07-9060-8acfc67cef9f"/>
-    <ds:schemaRef ds:uri="http://purl.org/dc/dcmitype/"/>
-  </ds:schemaRefs>
-</ds:datastoreItem>
 </file>
--- a/Lab/投影片.pptx
+++ b/Lab/投影片.pptx
@@ -5,10 +5,10 @@
     <p:sldMasterId id="2147483648" r:id="rId3"/>
   </p:sldMasterIdLst>
   <p:notesMasterIdLst>
-    <p:notesMasterId r:id="rId19"/>
+    <p:notesMasterId r:id="rId21"/>
   </p:notesMasterIdLst>
   <p:handoutMasterIdLst>
-    <p:handoutMasterId r:id="rId20"/>
+    <p:handoutMasterId r:id="rId22"/>
   </p:handoutMasterIdLst>
   <p:sldIdLst>
     <p:sldId id="282" r:id="rId4"/>
@@ -18,14 +18,16 @@
     <p:sldId id="302" r:id="rId8"/>
     <p:sldId id="303" r:id="rId9"/>
     <p:sldId id="296" r:id="rId10"/>
-    <p:sldId id="304" r:id="rId11"/>
-    <p:sldId id="311" r:id="rId12"/>
-    <p:sldId id="305" r:id="rId13"/>
-    <p:sldId id="307" r:id="rId14"/>
-    <p:sldId id="306" r:id="rId15"/>
-    <p:sldId id="308" r:id="rId16"/>
-    <p:sldId id="309" r:id="rId17"/>
-    <p:sldId id="310" r:id="rId18"/>
+    <p:sldId id="312" r:id="rId11"/>
+    <p:sldId id="304" r:id="rId12"/>
+    <p:sldId id="313" r:id="rId13"/>
+    <p:sldId id="311" r:id="rId14"/>
+    <p:sldId id="305" r:id="rId15"/>
+    <p:sldId id="307" r:id="rId16"/>
+    <p:sldId id="306" r:id="rId17"/>
+    <p:sldId id="308" r:id="rId18"/>
+    <p:sldId id="309" r:id="rId19"/>
+    <p:sldId id="310" r:id="rId20"/>
   </p:sldIdLst>
   <p:sldSz cx="12192000" cy="6858000"/>
   <p:notesSz cx="6858000" cy="9144000"/>
@@ -239,7 +241,7 @@
                 <a:ea typeface="Microsoft JhengHei UI" panose="020B0604030504040204" pitchFamily="34" charset="-120"/>
                 <a:sym typeface="Microsoft JhengHei UI" panose="020B0604030504040204" pitchFamily="34" charset="-120"/>
               </a:rPr>
-              <a:t>2020/12/26</a:t>
+              <a:t>2020/12/28</a:t>
             </a:fld>
             <a:endParaRPr lang="en-US" altLang="zh-TW" dirty="0">
               <a:latin typeface="Microsoft JhengHei UI" panose="020B0604030504040204" pitchFamily="34" charset="-120"/>
@@ -443,7 +445,7 @@
             <a:fld id="{AA006804-164C-4CDA-8F38-2D5258C292C6}" type="datetime1">
               <a:rPr lang="zh-TW" altLang="en-US" smtClean="0"/>
               <a:pPr/>
-              <a:t>2020/12/26</a:t>
+              <a:t>2020/12/28</a:t>
             </a:fld>
             <a:endParaRPr lang="zh-TW" altLang="en-US" dirty="0"/>
           </a:p>
@@ -886,7 +888,7 @@
     </p:spTree>
     <p:extLst>
       <p:ext uri="{BB962C8B-B14F-4D97-AF65-F5344CB8AC3E}">
-        <p14:creationId xmlns:p14="http://schemas.microsoft.com/office/powerpoint/2010/main" val="409340556"/>
+        <p14:creationId xmlns:p14="http://schemas.microsoft.com/office/powerpoint/2010/main" val="2190313031"/>
       </p:ext>
     </p:extLst>
   </p:cSld>
@@ -971,7 +973,7 @@
     </p:spTree>
     <p:extLst>
       <p:ext uri="{BB962C8B-B14F-4D97-AF65-F5344CB8AC3E}">
-        <p14:creationId xmlns:p14="http://schemas.microsoft.com/office/powerpoint/2010/main" val="2701519937"/>
+        <p14:creationId xmlns:p14="http://schemas.microsoft.com/office/powerpoint/2010/main" val="3214425974"/>
       </p:ext>
     </p:extLst>
   </p:cSld>
@@ -1056,7 +1058,7 @@
     </p:spTree>
     <p:extLst>
       <p:ext uri="{BB962C8B-B14F-4D97-AF65-F5344CB8AC3E}">
-        <p14:creationId xmlns:p14="http://schemas.microsoft.com/office/powerpoint/2010/main" val="3565233456"/>
+        <p14:creationId xmlns:p14="http://schemas.microsoft.com/office/powerpoint/2010/main" val="409340556"/>
       </p:ext>
     </p:extLst>
   </p:cSld>
@@ -1141,7 +1143,7 @@
     </p:spTree>
     <p:extLst>
       <p:ext uri="{BB962C8B-B14F-4D97-AF65-F5344CB8AC3E}">
-        <p14:creationId xmlns:p14="http://schemas.microsoft.com/office/powerpoint/2010/main" val="2220057016"/>
+        <p14:creationId xmlns:p14="http://schemas.microsoft.com/office/powerpoint/2010/main" val="2701519937"/>
       </p:ext>
     </p:extLst>
   </p:cSld>
@@ -1226,7 +1228,7 @@
     </p:spTree>
     <p:extLst>
       <p:ext uri="{BB962C8B-B14F-4D97-AF65-F5344CB8AC3E}">
-        <p14:creationId xmlns:p14="http://schemas.microsoft.com/office/powerpoint/2010/main" val="2333112210"/>
+        <p14:creationId xmlns:p14="http://schemas.microsoft.com/office/powerpoint/2010/main" val="3565233456"/>
       </p:ext>
     </p:extLst>
   </p:cSld>
@@ -1303,6 +1305,176 @@
               <a:rPr lang="en-ZA" smtClean="0"/>
               <a:pPr/>
               <a:t>15</a:t>
+            </a:fld>
+            <a:endParaRPr lang="en-ZA"/>
+          </a:p>
+        </p:txBody>
+      </p:sp>
+    </p:spTree>
+    <p:extLst>
+      <p:ext uri="{BB962C8B-B14F-4D97-AF65-F5344CB8AC3E}">
+        <p14:creationId xmlns:p14="http://schemas.microsoft.com/office/powerpoint/2010/main" val="2220057016"/>
+      </p:ext>
+    </p:extLst>
+  </p:cSld>
+  <p:clrMapOvr>
+    <a:masterClrMapping/>
+  </p:clrMapOvr>
+</p:notes>
+</file>
+
+<file path=ppt/notesSlides/notesSlide16.xml><?xml version="1.0" encoding="utf-8"?>
+<p:notes xmlns:a="http://schemas.openxmlformats.org/drawingml/2006/main" xmlns:r="http://schemas.openxmlformats.org/officeDocument/2006/relationships" xmlns:p="http://schemas.openxmlformats.org/presentationml/2006/main">
+  <p:cSld>
+    <p:spTree>
+      <p:nvGrpSpPr>
+        <p:cNvPr id="1" name=""/>
+        <p:cNvGrpSpPr/>
+        <p:nvPr/>
+      </p:nvGrpSpPr>
+      <p:grpSpPr>
+        <a:xfrm>
+          <a:off x="0" y="0"/>
+          <a:ext cx="0" cy="0"/>
+          <a:chOff x="0" y="0"/>
+          <a:chExt cx="0" cy="0"/>
+        </a:xfrm>
+      </p:grpSpPr>
+      <p:sp>
+        <p:nvSpPr>
+          <p:cNvPr id="2" name="投影片影像版面配置區 1"/>
+          <p:cNvSpPr>
+            <a:spLocks noGrp="1" noRot="1" noChangeAspect="1"/>
+          </p:cNvSpPr>
+          <p:nvPr>
+            <p:ph type="sldImg"/>
+          </p:nvPr>
+        </p:nvSpPr>
+        <p:spPr/>
+      </p:sp>
+      <p:sp>
+        <p:nvSpPr>
+          <p:cNvPr id="3" name="備忘稿版面配置區 2"/>
+          <p:cNvSpPr>
+            <a:spLocks noGrp="1"/>
+          </p:cNvSpPr>
+          <p:nvPr>
+            <p:ph type="body" idx="1"/>
+          </p:nvPr>
+        </p:nvSpPr>
+        <p:spPr/>
+        <p:txBody>
+          <a:bodyPr/>
+          <a:lstStyle/>
+          <a:p>
+            <a:endParaRPr lang="zh-TW" altLang="en-US" dirty="0"/>
+          </a:p>
+        </p:txBody>
+      </p:sp>
+      <p:sp>
+        <p:nvSpPr>
+          <p:cNvPr id="4" name="投影片編號版面配置區 3"/>
+          <p:cNvSpPr>
+            <a:spLocks noGrp="1"/>
+          </p:cNvSpPr>
+          <p:nvPr>
+            <p:ph type="sldNum" sz="quarter" idx="10"/>
+          </p:nvPr>
+        </p:nvSpPr>
+        <p:spPr/>
+        <p:txBody>
+          <a:bodyPr/>
+          <a:lstStyle/>
+          <a:p>
+            <a:fld id="{8530193B-564F-4854-8A52-728F3FB19C85}" type="slidenum">
+              <a:rPr lang="en-ZA" smtClean="0"/>
+              <a:pPr/>
+              <a:t>16</a:t>
+            </a:fld>
+            <a:endParaRPr lang="en-ZA"/>
+          </a:p>
+        </p:txBody>
+      </p:sp>
+    </p:spTree>
+    <p:extLst>
+      <p:ext uri="{BB962C8B-B14F-4D97-AF65-F5344CB8AC3E}">
+        <p14:creationId xmlns:p14="http://schemas.microsoft.com/office/powerpoint/2010/main" val="2333112210"/>
+      </p:ext>
+    </p:extLst>
+  </p:cSld>
+  <p:clrMapOvr>
+    <a:masterClrMapping/>
+  </p:clrMapOvr>
+</p:notes>
+</file>
+
+<file path=ppt/notesSlides/notesSlide17.xml><?xml version="1.0" encoding="utf-8"?>
+<p:notes xmlns:a="http://schemas.openxmlformats.org/drawingml/2006/main" xmlns:r="http://schemas.openxmlformats.org/officeDocument/2006/relationships" xmlns:p="http://schemas.openxmlformats.org/presentationml/2006/main">
+  <p:cSld>
+    <p:spTree>
+      <p:nvGrpSpPr>
+        <p:cNvPr id="1" name=""/>
+        <p:cNvGrpSpPr/>
+        <p:nvPr/>
+      </p:nvGrpSpPr>
+      <p:grpSpPr>
+        <a:xfrm>
+          <a:off x="0" y="0"/>
+          <a:ext cx="0" cy="0"/>
+          <a:chOff x="0" y="0"/>
+          <a:chExt cx="0" cy="0"/>
+        </a:xfrm>
+      </p:grpSpPr>
+      <p:sp>
+        <p:nvSpPr>
+          <p:cNvPr id="2" name="投影片影像版面配置區 1"/>
+          <p:cNvSpPr>
+            <a:spLocks noGrp="1" noRot="1" noChangeAspect="1"/>
+          </p:cNvSpPr>
+          <p:nvPr>
+            <p:ph type="sldImg"/>
+          </p:nvPr>
+        </p:nvSpPr>
+        <p:spPr/>
+      </p:sp>
+      <p:sp>
+        <p:nvSpPr>
+          <p:cNvPr id="3" name="備忘稿版面配置區 2"/>
+          <p:cNvSpPr>
+            <a:spLocks noGrp="1"/>
+          </p:cNvSpPr>
+          <p:nvPr>
+            <p:ph type="body" idx="1"/>
+          </p:nvPr>
+        </p:nvSpPr>
+        <p:spPr/>
+        <p:txBody>
+          <a:bodyPr/>
+          <a:lstStyle/>
+          <a:p>
+            <a:endParaRPr lang="zh-TW" altLang="en-US" dirty="0"/>
+          </a:p>
+        </p:txBody>
+      </p:sp>
+      <p:sp>
+        <p:nvSpPr>
+          <p:cNvPr id="4" name="投影片編號版面配置區 3"/>
+          <p:cNvSpPr>
+            <a:spLocks noGrp="1"/>
+          </p:cNvSpPr>
+          <p:nvPr>
+            <p:ph type="sldNum" sz="quarter" idx="10"/>
+          </p:nvPr>
+        </p:nvSpPr>
+        <p:spPr/>
+        <p:txBody>
+          <a:bodyPr/>
+          <a:lstStyle/>
+          <a:p>
+            <a:fld id="{8530193B-564F-4854-8A52-728F3FB19C85}" type="slidenum">
+              <a:rPr lang="en-ZA" smtClean="0"/>
+              <a:pPr/>
+              <a:t>17</a:t>
             </a:fld>
             <a:endParaRPr lang="en-ZA"/>
           </a:p>
@@ -1906,7 +2078,7 @@
     </p:spTree>
     <p:extLst>
       <p:ext uri="{BB962C8B-B14F-4D97-AF65-F5344CB8AC3E}">
-        <p14:creationId xmlns:p14="http://schemas.microsoft.com/office/powerpoint/2010/main" val="781114186"/>
+        <p14:creationId xmlns:p14="http://schemas.microsoft.com/office/powerpoint/2010/main" val="2347172397"/>
       </p:ext>
     </p:extLst>
   </p:cSld>
@@ -1991,7 +2163,7 @@
     </p:spTree>
     <p:extLst>
       <p:ext uri="{BB962C8B-B14F-4D97-AF65-F5344CB8AC3E}">
-        <p14:creationId xmlns:p14="http://schemas.microsoft.com/office/powerpoint/2010/main" val="3214425974"/>
+        <p14:creationId xmlns:p14="http://schemas.microsoft.com/office/powerpoint/2010/main" val="781114186"/>
       </p:ext>
     </p:extLst>
   </p:cSld>
@@ -8486,7 +8658,7 @@
           <a:p>
             <a:r>
               <a:rPr lang="en-US" sz="2800" b="1" dirty="0"/>
-              <a:t>Optimization</a:t>
+              <a:t>Attention Mechanism: The Fix – Multi-Headed Attention</a:t>
             </a:r>
           </a:p>
         </p:txBody>
@@ -8505,8 +8677,8 @@
         </p:nvSpPr>
         <p:spPr>
           <a:xfrm>
-            <a:off x="952373" y="1568534"/>
-            <a:ext cx="4364656" cy="461665"/>
+            <a:off x="1575830" y="1640863"/>
+            <a:ext cx="3588931" cy="461665"/>
           </a:xfrm>
           <a:prstGeom prst="rect">
             <a:avLst/>
@@ -8524,11 +8696,11 @@
               <a:buChar char="•"/>
             </a:pPr>
             <a:r>
-              <a:rPr lang="en-US" sz="2400" dirty="0">
+              <a:rPr lang="en-US" sz="2400" b="1" dirty="0">
                 <a:latin typeface="Calibri" panose="020F0502020204030204" pitchFamily="34" charset="0"/>
                 <a:cs typeface="Calibri" panose="020F0502020204030204" pitchFamily="34" charset="0"/>
               </a:rPr>
-              <a:t>Single-headed RNN (SHA-RNN)</a:t>
+              <a:t>Multi-Headed Attention</a:t>
             </a:r>
           </a:p>
         </p:txBody>
@@ -8538,7 +8710,7 @@
           <p:cNvPr id="6" name="TextBox 5">
             <a:extLst>
               <a:ext uri="{FF2B5EF4-FFF2-40B4-BE49-F238E27FC236}">
-                <a16:creationId xmlns:a16="http://schemas.microsoft.com/office/drawing/2014/main" id="{F0562E0E-EEBC-9146-9A8A-71CE457A66D7}"/>
+                <a16:creationId xmlns:a16="http://schemas.microsoft.com/office/drawing/2014/main" id="{AA02E5DE-4934-2043-ACFE-09A4C05C23C7}"/>
               </a:ext>
             </a:extLst>
           </p:cNvPr>
@@ -8547,8 +8719,8 @@
         </p:nvSpPr>
         <p:spPr>
           <a:xfrm>
-            <a:off x="1516652" y="2219787"/>
-            <a:ext cx="2593852" cy="461665"/>
+            <a:off x="2154803" y="2456953"/>
+            <a:ext cx="9500541" cy="461665"/>
           </a:xfrm>
           <a:prstGeom prst="rect">
             <a:avLst/>
@@ -8562,29 +8734,100 @@
           <a:lstStyle/>
           <a:p>
             <a:pPr marL="342900" indent="-342900">
-              <a:buFont typeface="Wingdings" pitchFamily="2" charset="2"/>
-              <a:buChar char="§"/>
+              <a:buFont typeface="Arial" panose="020B0604020202020204" pitchFamily="34" charset="0"/>
+              <a:buChar char="•"/>
             </a:pPr>
             <a:r>
-              <a:rPr lang="en-US" sz="2400" b="1" dirty="0">
-                <a:latin typeface="Calibri" panose="020F0502020204030204" pitchFamily="34" charset="0"/>
-                <a:cs typeface="Calibri" panose="020F0502020204030204" pitchFamily="34" charset="0"/>
-              </a:rPr>
-              <a:t>Boom Layer</a:t>
-            </a:r>
-            <a:endParaRPr lang="en-US" sz="2400" dirty="0">
-              <a:latin typeface="Calibri" panose="020F0502020204030204" pitchFamily="34" charset="0"/>
-              <a:cs typeface="Calibri" panose="020F0502020204030204" pitchFamily="34" charset="0"/>
-            </a:endParaRPr>
+              <a:rPr lang="en-US" sz="2400" dirty="0"/>
+              <a:t>Multiple attention layers (heads) in parallel (shown by different colors)</a:t>
+            </a:r>
+          </a:p>
+        </p:txBody>
+      </p:sp>
+      <p:sp>
+        <p:nvSpPr>
+          <p:cNvPr id="10" name="TextBox 9">
+            <a:extLst>
+              <a:ext uri="{FF2B5EF4-FFF2-40B4-BE49-F238E27FC236}">
+                <a16:creationId xmlns:a16="http://schemas.microsoft.com/office/drawing/2014/main" id="{0904BA4E-C0C3-D744-814B-DA4816B447F1}"/>
+              </a:ext>
+            </a:extLst>
+          </p:cNvPr>
+          <p:cNvSpPr txBox="1"/>
+          <p:nvPr/>
+        </p:nvSpPr>
+        <p:spPr>
+          <a:xfrm>
+            <a:off x="2154802" y="3169363"/>
+            <a:ext cx="9500541" cy="461665"/>
+          </a:xfrm>
+          <a:prstGeom prst="rect">
+            <a:avLst/>
+          </a:prstGeom>
+          <a:noFill/>
+        </p:spPr>
+        <p:txBody>
+          <a:bodyPr wrap="square" rtlCol="0">
+            <a:spAutoFit/>
+          </a:bodyPr>
+          <a:lstStyle/>
+          <a:p>
+            <a:pPr marL="342900" indent="-342900">
+              <a:buFont typeface="Arial" panose="020B0604020202020204" pitchFamily="34" charset="0"/>
+              <a:buChar char="•"/>
+            </a:pPr>
+            <a:r>
+              <a:rPr lang="en-US" sz="2400" dirty="0"/>
+              <a:t>Each layers uses different linear transformations.</a:t>
+            </a:r>
+          </a:p>
+        </p:txBody>
+      </p:sp>
+      <p:sp>
+        <p:nvSpPr>
+          <p:cNvPr id="13" name="TextBox 12">
+            <a:extLst>
+              <a:ext uri="{FF2B5EF4-FFF2-40B4-BE49-F238E27FC236}">
+                <a16:creationId xmlns:a16="http://schemas.microsoft.com/office/drawing/2014/main" id="{E9FE2D4D-3A0B-9B43-87CD-629A77DD5A92}"/>
+              </a:ext>
+            </a:extLst>
+          </p:cNvPr>
+          <p:cNvSpPr txBox="1"/>
+          <p:nvPr/>
+        </p:nvSpPr>
+        <p:spPr>
+          <a:xfrm>
+            <a:off x="2154802" y="3881773"/>
+            <a:ext cx="9500541" cy="461665"/>
+          </a:xfrm>
+          <a:prstGeom prst="rect">
+            <a:avLst/>
+          </a:prstGeom>
+          <a:noFill/>
+        </p:spPr>
+        <p:txBody>
+          <a:bodyPr wrap="square" rtlCol="0">
+            <a:spAutoFit/>
+          </a:bodyPr>
+          <a:lstStyle/>
+          <a:p>
+            <a:pPr marL="342900" indent="-342900">
+              <a:buFont typeface="Arial" panose="020B0604020202020204" pitchFamily="34" charset="0"/>
+              <a:buChar char="•"/>
+            </a:pPr>
+            <a:r>
+              <a:rPr lang="en-US" sz="2400" dirty="0"/>
+              <a:t>Different heads can learn different relationships.</a:t>
+            </a:r>
           </a:p>
         </p:txBody>
       </p:sp>
       <p:pic>
         <p:nvPicPr>
-          <p:cNvPr id="4" name="Picture 3">
-            <a:extLst>
-              <a:ext uri="{FF2B5EF4-FFF2-40B4-BE49-F238E27FC236}">
-                <a16:creationId xmlns:a16="http://schemas.microsoft.com/office/drawing/2014/main" id="{C37648F9-7CB8-0A41-831D-BCB3F0DA04B2}"/>
+          <p:cNvPr id="9" name="Picture 8">
+            <a:extLst>
+              <a:ext uri="{FF2B5EF4-FFF2-40B4-BE49-F238E27FC236}">
+                <a16:creationId xmlns:a16="http://schemas.microsoft.com/office/drawing/2014/main" id="{0942FB8F-AC6E-4341-8B0C-3D563C5F5700}"/>
               </a:ext>
             </a:extLst>
           </p:cNvPr>
@@ -8607,204 +8850,18 @@
         </p:blipFill>
         <p:spPr>
           <a:xfrm>
-            <a:off x="2973545" y="2871040"/>
-            <a:ext cx="5783152" cy="552971"/>
+            <a:off x="7569640" y="4703970"/>
+            <a:ext cx="3962401" cy="1584186"/>
           </a:xfrm>
           <a:prstGeom prst="rect">
             <a:avLst/>
           </a:prstGeom>
         </p:spPr>
       </p:pic>
-      <p:sp>
-        <p:nvSpPr>
-          <p:cNvPr id="11" name="TextBox 10">
-            <a:extLst>
-              <a:ext uri="{FF2B5EF4-FFF2-40B4-BE49-F238E27FC236}">
-                <a16:creationId xmlns:a16="http://schemas.microsoft.com/office/drawing/2014/main" id="{047DF914-B467-334D-87BF-6ED281A9340C}"/>
-              </a:ext>
-            </a:extLst>
-          </p:cNvPr>
-          <p:cNvSpPr txBox="1"/>
-          <p:nvPr/>
-        </p:nvSpPr>
-        <p:spPr>
-          <a:xfrm>
-            <a:off x="1516652" y="3684012"/>
-            <a:ext cx="7578710" cy="461665"/>
-          </a:xfrm>
-          <a:prstGeom prst="rect">
-            <a:avLst/>
-          </a:prstGeom>
-          <a:noFill/>
-        </p:spPr>
-        <p:txBody>
-          <a:bodyPr wrap="square" rtlCol="0">
-            <a:spAutoFit/>
-          </a:bodyPr>
-          <a:lstStyle/>
-          <a:p>
-            <a:pPr marL="342900" indent="-342900">
-              <a:buFont typeface="Wingdings" pitchFamily="2" charset="2"/>
-              <a:buChar char="§"/>
-            </a:pPr>
-            <a:r>
-              <a:rPr lang="en-US" sz="2400" b="1" dirty="0">
-                <a:latin typeface="Calibri" panose="020F0502020204030204" pitchFamily="34" charset="0"/>
-                <a:cs typeface="Calibri" panose="020F0502020204030204" pitchFamily="34" charset="0"/>
-              </a:rPr>
-              <a:t>Activation Function:   </a:t>
-            </a:r>
-            <a:r>
-              <a:rPr lang="en-US" sz="2400" dirty="0">
-                <a:latin typeface="Times New Roman" panose="02020603050405020304" pitchFamily="18" charset="0"/>
-                <a:cs typeface="Times New Roman" panose="02020603050405020304" pitchFamily="18" charset="0"/>
-              </a:rPr>
-              <a:t>Gaussian Linear Unit (</a:t>
-            </a:r>
-            <a:r>
-              <a:rPr lang="en-US" sz="2400" dirty="0" err="1">
-                <a:latin typeface="Times New Roman" panose="02020603050405020304" pitchFamily="18" charset="0"/>
-                <a:cs typeface="Times New Roman" panose="02020603050405020304" pitchFamily="18" charset="0"/>
-              </a:rPr>
-              <a:t>GeLU</a:t>
-            </a:r>
-            <a:r>
-              <a:rPr lang="en-US" sz="2400" dirty="0">
-                <a:latin typeface="Times New Roman" panose="02020603050405020304" pitchFamily="18" charset="0"/>
-                <a:cs typeface="Times New Roman" panose="02020603050405020304" pitchFamily="18" charset="0"/>
-              </a:rPr>
-              <a:t>)</a:t>
-            </a:r>
-          </a:p>
-        </p:txBody>
-      </p:sp>
-      <p:sp>
-        <p:nvSpPr>
-          <p:cNvPr id="12" name="TextBox 11">
-            <a:extLst>
-              <a:ext uri="{FF2B5EF4-FFF2-40B4-BE49-F238E27FC236}">
-                <a16:creationId xmlns:a16="http://schemas.microsoft.com/office/drawing/2014/main" id="{87F6B32E-0BBB-5943-984B-398FF49AE20E}"/>
-              </a:ext>
-            </a:extLst>
-          </p:cNvPr>
-          <p:cNvSpPr txBox="1"/>
-          <p:nvPr/>
-        </p:nvSpPr>
-        <p:spPr>
-          <a:xfrm>
-            <a:off x="952373" y="4496984"/>
-            <a:ext cx="5692392" cy="461665"/>
-          </a:xfrm>
-          <a:prstGeom prst="rect">
-            <a:avLst/>
-          </a:prstGeom>
-          <a:noFill/>
-        </p:spPr>
-        <p:txBody>
-          <a:bodyPr wrap="none" rtlCol="0">
-            <a:spAutoFit/>
-          </a:bodyPr>
-          <a:lstStyle/>
-          <a:p>
-            <a:pPr marL="342900" indent="-342900">
-              <a:buFont typeface="Arial" panose="020B0604020202020204" pitchFamily="34" charset="0"/>
-              <a:buChar char="•"/>
-            </a:pPr>
-            <a:r>
-              <a:rPr lang="en-US" sz="2400" dirty="0">
-                <a:latin typeface="Calibri" panose="020F0502020204030204" pitchFamily="34" charset="0"/>
-                <a:cs typeface="Calibri" panose="020F0502020204030204" pitchFamily="34" charset="0"/>
-              </a:rPr>
-              <a:t>Models: BERT, </a:t>
-            </a:r>
-            <a:r>
-              <a:rPr lang="en-US" sz="2400" dirty="0" err="1">
-                <a:latin typeface="Calibri" panose="020F0502020204030204" pitchFamily="34" charset="0"/>
-                <a:cs typeface="Calibri" panose="020F0502020204030204" pitchFamily="34" charset="0"/>
-              </a:rPr>
-              <a:t>RoBERTa</a:t>
-            </a:r>
-            <a:r>
-              <a:rPr lang="en-US" sz="2400" dirty="0">
-                <a:latin typeface="Calibri" panose="020F0502020204030204" pitchFamily="34" charset="0"/>
-                <a:cs typeface="Calibri" panose="020F0502020204030204" pitchFamily="34" charset="0"/>
-              </a:rPr>
-              <a:t>, </a:t>
-            </a:r>
-            <a:r>
-              <a:rPr lang="en-US" sz="2400" dirty="0" err="1">
-                <a:latin typeface="Calibri" panose="020F0502020204030204" pitchFamily="34" charset="0"/>
-                <a:cs typeface="Calibri" panose="020F0502020204030204" pitchFamily="34" charset="0"/>
-              </a:rPr>
-              <a:t>DistilBERT</a:t>
-            </a:r>
-            <a:r>
-              <a:rPr lang="en-US" sz="2400" dirty="0">
-                <a:latin typeface="Calibri" panose="020F0502020204030204" pitchFamily="34" charset="0"/>
-                <a:cs typeface="Calibri" panose="020F0502020204030204" pitchFamily="34" charset="0"/>
-              </a:rPr>
-              <a:t>, </a:t>
-            </a:r>
-            <a:r>
-              <a:rPr lang="en-US" sz="2400" dirty="0" err="1">
-                <a:latin typeface="Calibri" panose="020F0502020204030204" pitchFamily="34" charset="0"/>
-                <a:cs typeface="Calibri" panose="020F0502020204030204" pitchFamily="34" charset="0"/>
-              </a:rPr>
-              <a:t>XLNet</a:t>
-            </a:r>
-            <a:endParaRPr lang="en-US" sz="2400" dirty="0">
-              <a:latin typeface="Calibri" panose="020F0502020204030204" pitchFamily="34" charset="0"/>
-              <a:cs typeface="Calibri" panose="020F0502020204030204" pitchFamily="34" charset="0"/>
-            </a:endParaRPr>
-          </a:p>
-        </p:txBody>
-      </p:sp>
-      <p:sp>
-        <p:nvSpPr>
-          <p:cNvPr id="13" name="TextBox 12">
-            <a:extLst>
-              <a:ext uri="{FF2B5EF4-FFF2-40B4-BE49-F238E27FC236}">
-                <a16:creationId xmlns:a16="http://schemas.microsoft.com/office/drawing/2014/main" id="{EF565234-AACD-4849-9DD1-72F925B48DE6}"/>
-              </a:ext>
-            </a:extLst>
-          </p:cNvPr>
-          <p:cNvSpPr txBox="1"/>
-          <p:nvPr/>
-        </p:nvSpPr>
-        <p:spPr>
-          <a:xfrm>
-            <a:off x="952373" y="5289466"/>
-            <a:ext cx="10008317" cy="461665"/>
-          </a:xfrm>
-          <a:prstGeom prst="rect">
-            <a:avLst/>
-          </a:prstGeom>
-          <a:noFill/>
-        </p:spPr>
-        <p:txBody>
-          <a:bodyPr wrap="none" rtlCol="0">
-            <a:spAutoFit/>
-          </a:bodyPr>
-          <a:lstStyle/>
-          <a:p>
-            <a:pPr marL="342900" indent="-342900">
-              <a:buFont typeface="Arial" panose="020B0604020202020204" pitchFamily="34" charset="0"/>
-              <a:buChar char="•"/>
-            </a:pPr>
-            <a:r>
-              <a:rPr lang="en-US" sz="2400" b="1" dirty="0">
-                <a:latin typeface="Calibri" panose="020F0502020204030204" pitchFamily="34" charset="0"/>
-                <a:cs typeface="Calibri" panose="020F0502020204030204" pitchFamily="34" charset="0"/>
-              </a:rPr>
-              <a:t>Solving the short-term dependency problem of Transformer-based Models</a:t>
-            </a:r>
-          </a:p>
-        </p:txBody>
-      </p:sp>
     </p:spTree>
     <p:extLst>
       <p:ext uri="{BB962C8B-B14F-4D97-AF65-F5344CB8AC3E}">
-        <p14:creationId xmlns:p14="http://schemas.microsoft.com/office/powerpoint/2010/main" val="1030187098"/>
+        <p14:creationId xmlns:p14="http://schemas.microsoft.com/office/powerpoint/2010/main" val="823711344"/>
       </p:ext>
     </p:extLst>
   </p:cSld>
@@ -8869,22 +8926,17 @@
           <a:p>
             <a:r>
               <a:rPr lang="en-US" sz="2800" b="1" dirty="0"/>
-              <a:t>Optimization:  EDM-</a:t>
-            </a:r>
-            <a:r>
-              <a:rPr lang="en-US" sz="2800" b="1" dirty="0" err="1"/>
-              <a:t>RoBERTa</a:t>
-            </a:r>
-            <a:endParaRPr lang="en-US" sz="2800" b="1" dirty="0"/>
-          </a:p>
-        </p:txBody>
-      </p:sp>
-      <p:sp>
-        <p:nvSpPr>
-          <p:cNvPr id="5" name="TextBox 4">
-            <a:extLst>
-              <a:ext uri="{FF2B5EF4-FFF2-40B4-BE49-F238E27FC236}">
-                <a16:creationId xmlns:a16="http://schemas.microsoft.com/office/drawing/2014/main" id="{0F0A5022-A9F2-4143-B927-A449071B04E6}"/>
+              <a:t>Problems with Attention Mechanism</a:t>
+            </a:r>
+          </a:p>
+        </p:txBody>
+      </p:sp>
+      <p:sp>
+        <p:nvSpPr>
+          <p:cNvPr id="13" name="TextBox 5">
+            <a:extLst>
+              <a:ext uri="{FF2B5EF4-FFF2-40B4-BE49-F238E27FC236}">
+                <a16:creationId xmlns:a16="http://schemas.microsoft.com/office/drawing/2014/main" id="{A35F1A04-046B-42E3-9C3B-FFD642B26147}"/>
               </a:ext>
             </a:extLst>
           </p:cNvPr>
@@ -8893,8 +8945,8 @@
         </p:nvSpPr>
         <p:spPr>
           <a:xfrm>
-            <a:off x="952373" y="1568534"/>
-            <a:ext cx="6384248" cy="461665"/>
+            <a:off x="1790024" y="2339903"/>
+            <a:ext cx="9047605" cy="830997"/>
           </a:xfrm>
           <a:prstGeom prst="rect">
             <a:avLst/>
@@ -8908,39 +8960,39 @@
           <a:lstStyle/>
           <a:p>
             <a:pPr marL="342900" indent="-342900">
-              <a:buFont typeface="Arial" panose="020B0604020202020204" pitchFamily="34" charset="0"/>
-              <a:buChar char="•"/>
+              <a:buFont typeface="Wingdings" pitchFamily="2" charset="2"/>
+              <a:buChar char="§"/>
             </a:pPr>
             <a:r>
-              <a:rPr lang="en-US" sz="2400" dirty="0">
+              <a:rPr lang="en-US" sz="2400" b="1" dirty="0">
                 <a:latin typeface="Calibri" panose="020F0502020204030204" pitchFamily="34" charset="0"/>
                 <a:cs typeface="Calibri" panose="020F0502020204030204" pitchFamily="34" charset="0"/>
               </a:rPr>
-              <a:t>Choose the best-performed model: </a:t>
-            </a:r>
-            <a:r>
-              <a:rPr lang="en-US" sz="2400" b="1" dirty="0" err="1">
-                <a:latin typeface="Times New Roman" panose="02020603050405020304" pitchFamily="18" charset="0"/>
-                <a:cs typeface="Times New Roman" panose="02020603050405020304" pitchFamily="18" charset="0"/>
-              </a:rPr>
-              <a:t>RoBERTa</a:t>
-            </a:r>
-            <a:r>
-              <a:rPr lang="en-US" sz="2400" dirty="0">
+              <a:t>Too many heads -&gt; Hard to process queries from multiple positions</a:t>
+            </a:r>
+          </a:p>
+          <a:p>
+            <a:pPr lvl="6"/>
+            <a:r>
+              <a:rPr lang="en-US" sz="2400" b="1" dirty="0">
                 <a:latin typeface="Calibri" panose="020F0502020204030204" pitchFamily="34" charset="0"/>
                 <a:cs typeface="Calibri" panose="020F0502020204030204" pitchFamily="34" charset="0"/>
               </a:rPr>
-              <a:t> </a:t>
-            </a:r>
-          </a:p>
-        </p:txBody>
-      </p:sp>
-      <p:sp>
-        <p:nvSpPr>
-          <p:cNvPr id="6" name="TextBox 5">
-            <a:extLst>
-              <a:ext uri="{FF2B5EF4-FFF2-40B4-BE49-F238E27FC236}">
-                <a16:creationId xmlns:a16="http://schemas.microsoft.com/office/drawing/2014/main" id="{F0562E0E-EEBC-9146-9A8A-71CE457A66D7}"/>
+              <a:t>in parallel.</a:t>
+            </a:r>
+            <a:endParaRPr lang="en-US" sz="2400" dirty="0">
+              <a:latin typeface="Calibri" panose="020F0502020204030204" pitchFamily="34" charset="0"/>
+              <a:cs typeface="Calibri" panose="020F0502020204030204" pitchFamily="34" charset="0"/>
+            </a:endParaRPr>
+          </a:p>
+        </p:txBody>
+      </p:sp>
+      <p:sp>
+        <p:nvSpPr>
+          <p:cNvPr id="14" name="TextBox 6">
+            <a:extLst>
+              <a:ext uri="{FF2B5EF4-FFF2-40B4-BE49-F238E27FC236}">
+                <a16:creationId xmlns:a16="http://schemas.microsoft.com/office/drawing/2014/main" id="{1DFF8FF5-A1E8-4D4B-9DE1-775A18258604}"/>
               </a:ext>
             </a:extLst>
           </p:cNvPr>
@@ -8949,8 +9001,8 @@
         </p:nvSpPr>
         <p:spPr>
           <a:xfrm>
-            <a:off x="952373" y="2376449"/>
-            <a:ext cx="6661566" cy="461665"/>
+            <a:off x="1790025" y="3170900"/>
+            <a:ext cx="3747949" cy="461665"/>
           </a:xfrm>
           <a:prstGeom prst="rect">
             <a:avLst/>
@@ -8958,118 +9010,129 @@
           <a:noFill/>
         </p:spPr>
         <p:txBody>
+          <a:bodyPr wrap="none" rtlCol="0">
+            <a:spAutoFit/>
+          </a:bodyPr>
+          <a:lstStyle/>
+          <a:p>
+            <a:pPr marL="342900" indent="-342900">
+              <a:buFont typeface="Wingdings" pitchFamily="2" charset="2"/>
+              <a:buChar char="§"/>
+            </a:pPr>
+            <a:r>
+              <a:rPr lang="en-US" sz="2400" b="1" dirty="0">
+                <a:solidFill>
+                  <a:srgbClr val="FF0000"/>
+                </a:solidFill>
+                <a:latin typeface="Calibri" panose="020F0502020204030204" pitchFamily="34" charset="0"/>
+                <a:cs typeface="Calibri" panose="020F0502020204030204" pitchFamily="34" charset="0"/>
+              </a:rPr>
+              <a:t>Valid heads are unknown</a:t>
+            </a:r>
+          </a:p>
+        </p:txBody>
+      </p:sp>
+      <p:sp>
+        <p:nvSpPr>
+          <p:cNvPr id="15" name="TextBox 9">
+            <a:extLst>
+              <a:ext uri="{FF2B5EF4-FFF2-40B4-BE49-F238E27FC236}">
+                <a16:creationId xmlns:a16="http://schemas.microsoft.com/office/drawing/2014/main" id="{4F69F72C-E1BD-4408-B368-6888FC13EC7B}"/>
+              </a:ext>
+            </a:extLst>
+          </p:cNvPr>
+          <p:cNvSpPr txBox="1"/>
+          <p:nvPr/>
+        </p:nvSpPr>
+        <p:spPr>
+          <a:xfrm>
+            <a:off x="1790024" y="3822153"/>
+            <a:ext cx="9510843" cy="1200329"/>
+          </a:xfrm>
+          <a:prstGeom prst="rect">
+            <a:avLst/>
+          </a:prstGeom>
+          <a:noFill/>
+        </p:spPr>
+        <p:txBody>
           <a:bodyPr wrap="square" rtlCol="0">
             <a:spAutoFit/>
           </a:bodyPr>
           <a:lstStyle/>
           <a:p>
             <a:pPr marL="342900" indent="-342900">
-              <a:buFont typeface="Arial" panose="020B0604020202020204" pitchFamily="34" charset="0"/>
-              <a:buChar char="•"/>
+              <a:buFont typeface="Wingdings" pitchFamily="2" charset="2"/>
+              <a:buChar char="§"/>
             </a:pPr>
             <a:r>
               <a:rPr lang="en-US" sz="2400" b="1" dirty="0">
                 <a:latin typeface="Calibri" panose="020F0502020204030204" pitchFamily="34" charset="0"/>
                 <a:cs typeface="Calibri" panose="020F0502020204030204" pitchFamily="34" charset="0"/>
               </a:rPr>
-              <a:t>Re-organize: Optimizing with Boom Layer</a:t>
-            </a:r>
-            <a:endParaRPr lang="en-US" sz="2400" dirty="0">
-              <a:latin typeface="Calibri" panose="020F0502020204030204" pitchFamily="34" charset="0"/>
-              <a:cs typeface="Calibri" panose="020F0502020204030204" pitchFamily="34" charset="0"/>
-            </a:endParaRPr>
-          </a:p>
-        </p:txBody>
-      </p:sp>
-      <p:pic>
-        <p:nvPicPr>
-          <p:cNvPr id="7" name="Picture 6">
-            <a:extLst>
-              <a:ext uri="{FF2B5EF4-FFF2-40B4-BE49-F238E27FC236}">
-                <a16:creationId xmlns:a16="http://schemas.microsoft.com/office/drawing/2014/main" id="{03DD16DF-6DDD-1440-BEC6-E2C893E34BBD}"/>
-              </a:ext>
-            </a:extLst>
-          </p:cNvPr>
-          <p:cNvPicPr>
-            <a:picLocks noChangeAspect="1"/>
-          </p:cNvPicPr>
-          <p:nvPr/>
-        </p:nvPicPr>
-        <p:blipFill>
-          <a:blip r:embed="rId3">
-            <a:extLst>
-              <a:ext uri="{28A0092B-C50C-407E-A947-70E740481C1C}">
-                <a14:useLocalDpi xmlns:a14="http://schemas.microsoft.com/office/drawing/2010/main" val="0"/>
-              </a:ext>
-            </a:extLst>
-          </a:blip>
-          <a:stretch>
-            <a:fillRect/>
-          </a:stretch>
-        </p:blipFill>
-        <p:spPr>
-          <a:xfrm>
-            <a:off x="9091898" y="138352"/>
-            <a:ext cx="2483877" cy="6690442"/>
-          </a:xfrm>
-          <a:prstGeom prst="rect">
-            <a:avLst/>
-          </a:prstGeom>
-        </p:spPr>
-      </p:pic>
-      <p:sp>
-        <p:nvSpPr>
-          <p:cNvPr id="14" name="TextBox 13">
-            <a:extLst>
-              <a:ext uri="{FF2B5EF4-FFF2-40B4-BE49-F238E27FC236}">
-                <a16:creationId xmlns:a16="http://schemas.microsoft.com/office/drawing/2014/main" id="{8A847973-0319-9B4F-B5CD-4F522B13162B}"/>
-              </a:ext>
-            </a:extLst>
-          </p:cNvPr>
-          <p:cNvSpPr txBox="1"/>
-          <p:nvPr/>
-        </p:nvSpPr>
-        <p:spPr>
-          <a:xfrm>
-            <a:off x="1154104" y="4019887"/>
-            <a:ext cx="8424781" cy="477054"/>
-          </a:xfrm>
-          <a:prstGeom prst="rect">
-            <a:avLst/>
-          </a:prstGeom>
-          <a:noFill/>
-        </p:spPr>
-        <p:txBody>
-          <a:bodyPr wrap="square" rtlCol="0">
-            <a:spAutoFit/>
-          </a:bodyPr>
-          <a:lstStyle/>
-          <a:p>
-            <a:r>
-              <a:rPr lang="en-US" sz="2500" b="1" dirty="0">
-                <a:latin typeface="Times New Roman" panose="02020603050405020304" pitchFamily="18" charset="0"/>
-                <a:cs typeface="Times New Roman" panose="02020603050405020304" pitchFamily="18" charset="0"/>
+              <a:t>Processing with “Valid heads” problem:</a:t>
+            </a:r>
+            <a:br>
+              <a:rPr lang="en-US" sz="2400" b="1" dirty="0">
+                <a:latin typeface="Calibri" panose="020F0502020204030204" pitchFamily="34" charset="0"/>
+                <a:cs typeface="Calibri" panose="020F0502020204030204" pitchFamily="34" charset="0"/>
               </a:rPr>
-              <a:t>Enhancing the Dependency Mechanism of </a:t>
-            </a:r>
-            <a:r>
-              <a:rPr lang="en-US" sz="2500" b="1" dirty="0" err="1">
-                <a:latin typeface="Times New Roman" panose="02020603050405020304" pitchFamily="18" charset="0"/>
-                <a:cs typeface="Times New Roman" panose="02020603050405020304" pitchFamily="18" charset="0"/>
+            </a:br>
+            <a:r>
+              <a:rPr lang="en-US" sz="2400" b="1" dirty="0">
+                <a:solidFill>
+                  <a:srgbClr val="FF0000"/>
+                </a:solidFill>
+                <a:latin typeface="Calibri" panose="020F0502020204030204" pitchFamily="34" charset="0"/>
+                <a:cs typeface="Calibri" panose="020F0502020204030204" pitchFamily="34" charset="0"/>
+              </a:rPr>
+              <a:t>	</a:t>
+            </a:r>
+            <a:br>
+              <a:rPr lang="en-US" sz="2400" b="1" dirty="0">
+                <a:solidFill>
+                  <a:srgbClr val="FF0000"/>
+                </a:solidFill>
+                <a:latin typeface="Calibri" panose="020F0502020204030204" pitchFamily="34" charset="0"/>
+                <a:cs typeface="Calibri" panose="020F0502020204030204" pitchFamily="34" charset="0"/>
+              </a:rPr>
+            </a:br>
+            <a:r>
+              <a:rPr lang="en-US" sz="2400" b="1" dirty="0">
+                <a:solidFill>
+                  <a:srgbClr val="FF0000"/>
+                </a:solidFill>
+                <a:latin typeface="Calibri" panose="020F0502020204030204" pitchFamily="34" charset="0"/>
+                <a:cs typeface="Calibri" panose="020F0502020204030204" pitchFamily="34" charset="0"/>
+              </a:rPr>
+              <a:t>	We propose EDM-</a:t>
+            </a:r>
+            <a:r>
+              <a:rPr lang="en-US" sz="2400" b="1" dirty="0" err="1">
+                <a:solidFill>
+                  <a:srgbClr val="FF0000"/>
+                </a:solidFill>
+                <a:latin typeface="Calibri" panose="020F0502020204030204" pitchFamily="34" charset="0"/>
+                <a:cs typeface="Calibri" panose="020F0502020204030204" pitchFamily="34" charset="0"/>
               </a:rPr>
               <a:t>RoBERTa</a:t>
             </a:r>
-            <a:endParaRPr lang="en-US" sz="2500" dirty="0">
-              <a:latin typeface="Times New Roman" panose="02020603050405020304" pitchFamily="18" charset="0"/>
-              <a:cs typeface="Times New Roman" panose="02020603050405020304" pitchFamily="18" charset="0"/>
-            </a:endParaRPr>
+            <a:r>
+              <a:rPr lang="en-US" sz="2400" b="1" dirty="0">
+                <a:solidFill>
+                  <a:srgbClr val="FF0000"/>
+                </a:solidFill>
+                <a:latin typeface="Calibri" panose="020F0502020204030204" pitchFamily="34" charset="0"/>
+                <a:cs typeface="Calibri" panose="020F0502020204030204" pitchFamily="34" charset="0"/>
+              </a:rPr>
+              <a:t> to optimize the attention process</a:t>
+            </a:r>
           </a:p>
         </p:txBody>
       </p:sp>
     </p:spTree>
     <p:extLst>
       <p:ext uri="{BB962C8B-B14F-4D97-AF65-F5344CB8AC3E}">
-        <p14:creationId xmlns:p14="http://schemas.microsoft.com/office/powerpoint/2010/main" val="2301789250"/>
+        <p14:creationId xmlns:p14="http://schemas.microsoft.com/office/powerpoint/2010/main" val="4156085279"/>
       </p:ext>
     </p:extLst>
   </p:cSld>
@@ -9134,17 +9197,105 @@
           <a:p>
             <a:r>
               <a:rPr lang="en-US" sz="2800" b="1" dirty="0"/>
-              <a:t>Optimization: Statistics</a:t>
-            </a:r>
+              <a:t>Optimization</a:t>
+            </a:r>
+          </a:p>
+        </p:txBody>
+      </p:sp>
+      <p:sp>
+        <p:nvSpPr>
+          <p:cNvPr id="5" name="TextBox 4">
+            <a:extLst>
+              <a:ext uri="{FF2B5EF4-FFF2-40B4-BE49-F238E27FC236}">
+                <a16:creationId xmlns:a16="http://schemas.microsoft.com/office/drawing/2014/main" id="{0F0A5022-A9F2-4143-B927-A449071B04E6}"/>
+              </a:ext>
+            </a:extLst>
+          </p:cNvPr>
+          <p:cNvSpPr txBox="1"/>
+          <p:nvPr/>
+        </p:nvSpPr>
+        <p:spPr>
+          <a:xfrm>
+            <a:off x="952373" y="1568534"/>
+            <a:ext cx="4364656" cy="461665"/>
+          </a:xfrm>
+          <a:prstGeom prst="rect">
+            <a:avLst/>
+          </a:prstGeom>
+          <a:noFill/>
+        </p:spPr>
+        <p:txBody>
+          <a:bodyPr wrap="none" rtlCol="0">
+            <a:spAutoFit/>
+          </a:bodyPr>
+          <a:lstStyle/>
+          <a:p>
+            <a:pPr marL="342900" indent="-342900">
+              <a:buFont typeface="Arial" panose="020B0604020202020204" pitchFamily="34" charset="0"/>
+              <a:buChar char="•"/>
+            </a:pPr>
+            <a:r>
+              <a:rPr lang="en-US" sz="2400" dirty="0">
+                <a:latin typeface="Calibri" panose="020F0502020204030204" pitchFamily="34" charset="0"/>
+                <a:cs typeface="Calibri" panose="020F0502020204030204" pitchFamily="34" charset="0"/>
+              </a:rPr>
+              <a:t>Single-headed RNN (SHA-RNN)</a:t>
+            </a:r>
+          </a:p>
+        </p:txBody>
+      </p:sp>
+      <p:sp>
+        <p:nvSpPr>
+          <p:cNvPr id="6" name="TextBox 5">
+            <a:extLst>
+              <a:ext uri="{FF2B5EF4-FFF2-40B4-BE49-F238E27FC236}">
+                <a16:creationId xmlns:a16="http://schemas.microsoft.com/office/drawing/2014/main" id="{F0562E0E-EEBC-9146-9A8A-71CE457A66D7}"/>
+              </a:ext>
+            </a:extLst>
+          </p:cNvPr>
+          <p:cNvSpPr txBox="1"/>
+          <p:nvPr/>
+        </p:nvSpPr>
+        <p:spPr>
+          <a:xfrm>
+            <a:off x="1516652" y="2219787"/>
+            <a:ext cx="2593852" cy="461665"/>
+          </a:xfrm>
+          <a:prstGeom prst="rect">
+            <a:avLst/>
+          </a:prstGeom>
+          <a:noFill/>
+        </p:spPr>
+        <p:txBody>
+          <a:bodyPr wrap="square" rtlCol="0">
+            <a:spAutoFit/>
+          </a:bodyPr>
+          <a:lstStyle/>
+          <a:p>
+            <a:pPr marL="342900" indent="-342900">
+              <a:buFont typeface="Wingdings" pitchFamily="2" charset="2"/>
+              <a:buChar char="§"/>
+            </a:pPr>
+            <a:r>
+              <a:rPr lang="en-US" sz="2400" b="1" dirty="0">
+                <a:latin typeface="Calibri" panose="020F0502020204030204" pitchFamily="34" charset="0"/>
+                <a:cs typeface="Calibri" panose="020F0502020204030204" pitchFamily="34" charset="0"/>
+              </a:rPr>
+              <a:t>Boom Layer</a:t>
+            </a:r>
+            <a:endParaRPr lang="en-US" sz="2400" dirty="0">
+              <a:latin typeface="Calibri" panose="020F0502020204030204" pitchFamily="34" charset="0"/>
+              <a:cs typeface="Calibri" panose="020F0502020204030204" pitchFamily="34" charset="0"/>
+            </a:endParaRPr>
           </a:p>
         </p:txBody>
       </p:sp>
       <p:pic>
         <p:nvPicPr>
-          <p:cNvPr id="7" name="Picture 6">
-            <a:extLst>
-              <a:ext uri="{FF2B5EF4-FFF2-40B4-BE49-F238E27FC236}">
-                <a16:creationId xmlns:a16="http://schemas.microsoft.com/office/drawing/2014/main" id="{3EA49A00-B665-BB4E-8414-F14A25C37FAF}"/>
+          <p:cNvPr id="4" name="Picture 3">
+            <a:extLst>
+              <a:ext uri="{FF2B5EF4-FFF2-40B4-BE49-F238E27FC236}">
+                <a16:creationId xmlns:a16="http://schemas.microsoft.com/office/drawing/2014/main" id="{C37648F9-7CB8-0A41-831D-BCB3F0DA04B2}"/>
               </a:ext>
             </a:extLst>
           </p:cNvPr>
@@ -9167,54 +9318,204 @@
         </p:blipFill>
         <p:spPr>
           <a:xfrm>
-            <a:off x="817123" y="1479649"/>
-            <a:ext cx="8716836" cy="2237989"/>
+            <a:off x="2973545" y="2871040"/>
+            <a:ext cx="5783152" cy="552971"/>
           </a:xfrm>
           <a:prstGeom prst="rect">
             <a:avLst/>
           </a:prstGeom>
         </p:spPr>
       </p:pic>
-      <p:pic>
-        <p:nvPicPr>
-          <p:cNvPr id="9" name="Picture 8">
-            <a:extLst>
-              <a:ext uri="{FF2B5EF4-FFF2-40B4-BE49-F238E27FC236}">
-                <a16:creationId xmlns:a16="http://schemas.microsoft.com/office/drawing/2014/main" id="{039B4765-42F5-9541-BC34-8ACF710B3366}"/>
-              </a:ext>
-            </a:extLst>
-          </p:cNvPr>
-          <p:cNvPicPr>
-            <a:picLocks noChangeAspect="1"/>
-          </p:cNvPicPr>
+      <p:sp>
+        <p:nvSpPr>
+          <p:cNvPr id="11" name="TextBox 10">
+            <a:extLst>
+              <a:ext uri="{FF2B5EF4-FFF2-40B4-BE49-F238E27FC236}">
+                <a16:creationId xmlns:a16="http://schemas.microsoft.com/office/drawing/2014/main" id="{047DF914-B467-334D-87BF-6ED281A9340C}"/>
+              </a:ext>
+            </a:extLst>
+          </p:cNvPr>
+          <p:cNvSpPr txBox="1"/>
           <p:nvPr/>
-        </p:nvPicPr>
-        <p:blipFill>
-          <a:blip r:embed="rId4">
-            <a:extLst>
-              <a:ext uri="{28A0092B-C50C-407E-A947-70E740481C1C}">
-                <a14:useLocalDpi xmlns:a14="http://schemas.microsoft.com/office/drawing/2010/main" val="0"/>
-              </a:ext>
-            </a:extLst>
-          </a:blip>
-          <a:stretch>
-            <a:fillRect/>
-          </a:stretch>
-        </p:blipFill>
-        <p:spPr>
-          <a:xfrm>
-            <a:off x="2869660" y="4330567"/>
-            <a:ext cx="9015380" cy="2237989"/>
+        </p:nvSpPr>
+        <p:spPr>
+          <a:xfrm>
+            <a:off x="1516652" y="3684012"/>
+            <a:ext cx="7578710" cy="461665"/>
           </a:xfrm>
           <a:prstGeom prst="rect">
             <a:avLst/>
           </a:prstGeom>
-        </p:spPr>
-      </p:pic>
+          <a:noFill/>
+        </p:spPr>
+        <p:txBody>
+          <a:bodyPr wrap="square" rtlCol="0">
+            <a:spAutoFit/>
+          </a:bodyPr>
+          <a:lstStyle/>
+          <a:p>
+            <a:pPr marL="342900" indent="-342900">
+              <a:buFont typeface="Wingdings" pitchFamily="2" charset="2"/>
+              <a:buChar char="§"/>
+            </a:pPr>
+            <a:r>
+              <a:rPr lang="en-US" sz="2400" b="1" dirty="0">
+                <a:latin typeface="Calibri" panose="020F0502020204030204" pitchFamily="34" charset="0"/>
+                <a:cs typeface="Calibri" panose="020F0502020204030204" pitchFamily="34" charset="0"/>
+              </a:rPr>
+              <a:t>Activation Function:   </a:t>
+            </a:r>
+            <a:r>
+              <a:rPr lang="en-US" sz="2400" dirty="0">
+                <a:latin typeface="Times New Roman" panose="02020603050405020304" pitchFamily="18" charset="0"/>
+                <a:cs typeface="Times New Roman" panose="02020603050405020304" pitchFamily="18" charset="0"/>
+              </a:rPr>
+              <a:t>Gaussian Linear Unit (</a:t>
+            </a:r>
+            <a:r>
+              <a:rPr lang="en-US" sz="2400" dirty="0" err="1">
+                <a:latin typeface="Times New Roman" panose="02020603050405020304" pitchFamily="18" charset="0"/>
+                <a:cs typeface="Times New Roman" panose="02020603050405020304" pitchFamily="18" charset="0"/>
+              </a:rPr>
+              <a:t>GeLU</a:t>
+            </a:r>
+            <a:r>
+              <a:rPr lang="en-US" sz="2400" dirty="0">
+                <a:latin typeface="Times New Roman" panose="02020603050405020304" pitchFamily="18" charset="0"/>
+                <a:cs typeface="Times New Roman" panose="02020603050405020304" pitchFamily="18" charset="0"/>
+              </a:rPr>
+              <a:t>)</a:t>
+            </a:r>
+          </a:p>
+        </p:txBody>
+      </p:sp>
+      <p:sp>
+        <p:nvSpPr>
+          <p:cNvPr id="12" name="TextBox 11">
+            <a:extLst>
+              <a:ext uri="{FF2B5EF4-FFF2-40B4-BE49-F238E27FC236}">
+                <a16:creationId xmlns:a16="http://schemas.microsoft.com/office/drawing/2014/main" id="{87F6B32E-0BBB-5943-984B-398FF49AE20E}"/>
+              </a:ext>
+            </a:extLst>
+          </p:cNvPr>
+          <p:cNvSpPr txBox="1"/>
+          <p:nvPr/>
+        </p:nvSpPr>
+        <p:spPr>
+          <a:xfrm>
+            <a:off x="952373" y="4496984"/>
+            <a:ext cx="5692392" cy="461665"/>
+          </a:xfrm>
+          <a:prstGeom prst="rect">
+            <a:avLst/>
+          </a:prstGeom>
+          <a:noFill/>
+        </p:spPr>
+        <p:txBody>
+          <a:bodyPr wrap="none" rtlCol="0">
+            <a:spAutoFit/>
+          </a:bodyPr>
+          <a:lstStyle/>
+          <a:p>
+            <a:pPr marL="342900" indent="-342900">
+              <a:buFont typeface="Arial" panose="020B0604020202020204" pitchFamily="34" charset="0"/>
+              <a:buChar char="•"/>
+            </a:pPr>
+            <a:r>
+              <a:rPr lang="en-US" sz="2400" dirty="0">
+                <a:latin typeface="Calibri" panose="020F0502020204030204" pitchFamily="34" charset="0"/>
+                <a:cs typeface="Calibri" panose="020F0502020204030204" pitchFamily="34" charset="0"/>
+              </a:rPr>
+              <a:t>Models: BERT, </a:t>
+            </a:r>
+            <a:r>
+              <a:rPr lang="en-US" sz="2400" dirty="0" err="1">
+                <a:latin typeface="Calibri" panose="020F0502020204030204" pitchFamily="34" charset="0"/>
+                <a:cs typeface="Calibri" panose="020F0502020204030204" pitchFamily="34" charset="0"/>
+              </a:rPr>
+              <a:t>RoBERTa</a:t>
+            </a:r>
+            <a:r>
+              <a:rPr lang="en-US" sz="2400" dirty="0">
+                <a:latin typeface="Calibri" panose="020F0502020204030204" pitchFamily="34" charset="0"/>
+                <a:cs typeface="Calibri" panose="020F0502020204030204" pitchFamily="34" charset="0"/>
+              </a:rPr>
+              <a:t>, </a:t>
+            </a:r>
+            <a:r>
+              <a:rPr lang="en-US" sz="2400" dirty="0" err="1">
+                <a:latin typeface="Calibri" panose="020F0502020204030204" pitchFamily="34" charset="0"/>
+                <a:cs typeface="Calibri" panose="020F0502020204030204" pitchFamily="34" charset="0"/>
+              </a:rPr>
+              <a:t>DistilBERT</a:t>
+            </a:r>
+            <a:r>
+              <a:rPr lang="en-US" sz="2400" dirty="0">
+                <a:latin typeface="Calibri" panose="020F0502020204030204" pitchFamily="34" charset="0"/>
+                <a:cs typeface="Calibri" panose="020F0502020204030204" pitchFamily="34" charset="0"/>
+              </a:rPr>
+              <a:t>, </a:t>
+            </a:r>
+            <a:r>
+              <a:rPr lang="en-US" sz="2400" dirty="0" err="1">
+                <a:latin typeface="Calibri" panose="020F0502020204030204" pitchFamily="34" charset="0"/>
+                <a:cs typeface="Calibri" panose="020F0502020204030204" pitchFamily="34" charset="0"/>
+              </a:rPr>
+              <a:t>XLNet</a:t>
+            </a:r>
+            <a:endParaRPr lang="en-US" sz="2400" dirty="0">
+              <a:latin typeface="Calibri" panose="020F0502020204030204" pitchFamily="34" charset="0"/>
+              <a:cs typeface="Calibri" panose="020F0502020204030204" pitchFamily="34" charset="0"/>
+            </a:endParaRPr>
+          </a:p>
+        </p:txBody>
+      </p:sp>
+      <p:sp>
+        <p:nvSpPr>
+          <p:cNvPr id="13" name="TextBox 12">
+            <a:extLst>
+              <a:ext uri="{FF2B5EF4-FFF2-40B4-BE49-F238E27FC236}">
+                <a16:creationId xmlns:a16="http://schemas.microsoft.com/office/drawing/2014/main" id="{EF565234-AACD-4849-9DD1-72F925B48DE6}"/>
+              </a:ext>
+            </a:extLst>
+          </p:cNvPr>
+          <p:cNvSpPr txBox="1"/>
+          <p:nvPr/>
+        </p:nvSpPr>
+        <p:spPr>
+          <a:xfrm>
+            <a:off x="952373" y="5289466"/>
+            <a:ext cx="10008317" cy="461665"/>
+          </a:xfrm>
+          <a:prstGeom prst="rect">
+            <a:avLst/>
+          </a:prstGeom>
+          <a:noFill/>
+        </p:spPr>
+        <p:txBody>
+          <a:bodyPr wrap="none" rtlCol="0">
+            <a:spAutoFit/>
+          </a:bodyPr>
+          <a:lstStyle/>
+          <a:p>
+            <a:pPr marL="342900" indent="-342900">
+              <a:buFont typeface="Arial" panose="020B0604020202020204" pitchFamily="34" charset="0"/>
+              <a:buChar char="•"/>
+            </a:pPr>
+            <a:r>
+              <a:rPr lang="en-US" sz="2400" b="1" dirty="0">
+                <a:latin typeface="Calibri" panose="020F0502020204030204" pitchFamily="34" charset="0"/>
+                <a:cs typeface="Calibri" panose="020F0502020204030204" pitchFamily="34" charset="0"/>
+              </a:rPr>
+              <a:t>Solving the short-term dependency problem of Transformer-based Models</a:t>
+            </a:r>
+          </a:p>
+        </p:txBody>
+      </p:sp>
     </p:spTree>
     <p:extLst>
       <p:ext uri="{BB962C8B-B14F-4D97-AF65-F5344CB8AC3E}">
-        <p14:creationId xmlns:p14="http://schemas.microsoft.com/office/powerpoint/2010/main" val="1987724706"/>
+        <p14:creationId xmlns:p14="http://schemas.microsoft.com/office/powerpoint/2010/main" val="1030187098"/>
       </p:ext>
     </p:extLst>
   </p:cSld>
@@ -9264,7 +9565,7 @@
         <p:spPr>
           <a:xfrm>
             <a:off x="616225" y="569844"/>
-            <a:ext cx="11008328" cy="523220"/>
+            <a:ext cx="9500541" cy="523220"/>
           </a:xfrm>
           <a:prstGeom prst="rect">
             <a:avLst/>
@@ -9279,30 +9580,124 @@
           <a:p>
             <a:r>
               <a:rPr lang="en-US" sz="2800" b="1" dirty="0"/>
-              <a:t>EDM-</a:t>
+              <a:t>Optimization:  EDM-</a:t>
             </a:r>
             <a:r>
               <a:rPr lang="en-US" sz="2800" b="1" dirty="0" err="1"/>
               <a:t>RoBERTa</a:t>
             </a:r>
-            <a:r>
-              <a:rPr lang="en-US" sz="2800" b="1" dirty="0"/>
-              <a:t>: Enhancing the Dependency Structure of </a:t>
-            </a:r>
-            <a:r>
-              <a:rPr lang="en-US" sz="2800" b="1" dirty="0" err="1"/>
+            <a:endParaRPr lang="en-US" sz="2800" b="1" dirty="0"/>
+          </a:p>
+        </p:txBody>
+      </p:sp>
+      <p:sp>
+        <p:nvSpPr>
+          <p:cNvPr id="5" name="TextBox 4">
+            <a:extLst>
+              <a:ext uri="{FF2B5EF4-FFF2-40B4-BE49-F238E27FC236}">
+                <a16:creationId xmlns:a16="http://schemas.microsoft.com/office/drawing/2014/main" id="{0F0A5022-A9F2-4143-B927-A449071B04E6}"/>
+              </a:ext>
+            </a:extLst>
+          </p:cNvPr>
+          <p:cNvSpPr txBox="1"/>
+          <p:nvPr/>
+        </p:nvSpPr>
+        <p:spPr>
+          <a:xfrm>
+            <a:off x="952373" y="1568534"/>
+            <a:ext cx="6384248" cy="461665"/>
+          </a:xfrm>
+          <a:prstGeom prst="rect">
+            <a:avLst/>
+          </a:prstGeom>
+          <a:noFill/>
+        </p:spPr>
+        <p:txBody>
+          <a:bodyPr wrap="none" rtlCol="0">
+            <a:spAutoFit/>
+          </a:bodyPr>
+          <a:lstStyle/>
+          <a:p>
+            <a:pPr marL="342900" indent="-342900">
+              <a:buFont typeface="Arial" panose="020B0604020202020204" pitchFamily="34" charset="0"/>
+              <a:buChar char="•"/>
+            </a:pPr>
+            <a:r>
+              <a:rPr lang="en-US" sz="2400" dirty="0">
+                <a:latin typeface="Calibri" panose="020F0502020204030204" pitchFamily="34" charset="0"/>
+                <a:cs typeface="Calibri" panose="020F0502020204030204" pitchFamily="34" charset="0"/>
+              </a:rPr>
+              <a:t>Choose the best-performed model: </a:t>
+            </a:r>
+            <a:r>
+              <a:rPr lang="en-US" sz="2400" b="1" dirty="0" err="1">
+                <a:latin typeface="Times New Roman" panose="02020603050405020304" pitchFamily="18" charset="0"/>
+                <a:cs typeface="Times New Roman" panose="02020603050405020304" pitchFamily="18" charset="0"/>
+              </a:rPr>
               <a:t>RoBERTa</a:t>
             </a:r>
-            <a:endParaRPr lang="en-US" sz="2800" b="1" dirty="0"/>
+            <a:r>
+              <a:rPr lang="en-US" sz="2400" dirty="0">
+                <a:latin typeface="Calibri" panose="020F0502020204030204" pitchFamily="34" charset="0"/>
+                <a:cs typeface="Calibri" panose="020F0502020204030204" pitchFamily="34" charset="0"/>
+              </a:rPr>
+              <a:t> </a:t>
+            </a:r>
+          </a:p>
+        </p:txBody>
+      </p:sp>
+      <p:sp>
+        <p:nvSpPr>
+          <p:cNvPr id="6" name="TextBox 5">
+            <a:extLst>
+              <a:ext uri="{FF2B5EF4-FFF2-40B4-BE49-F238E27FC236}">
+                <a16:creationId xmlns:a16="http://schemas.microsoft.com/office/drawing/2014/main" id="{F0562E0E-EEBC-9146-9A8A-71CE457A66D7}"/>
+              </a:ext>
+            </a:extLst>
+          </p:cNvPr>
+          <p:cNvSpPr txBox="1"/>
+          <p:nvPr/>
+        </p:nvSpPr>
+        <p:spPr>
+          <a:xfrm>
+            <a:off x="952373" y="2376449"/>
+            <a:ext cx="6661566" cy="461665"/>
+          </a:xfrm>
+          <a:prstGeom prst="rect">
+            <a:avLst/>
+          </a:prstGeom>
+          <a:noFill/>
+        </p:spPr>
+        <p:txBody>
+          <a:bodyPr wrap="square" rtlCol="0">
+            <a:spAutoFit/>
+          </a:bodyPr>
+          <a:lstStyle/>
+          <a:p>
+            <a:pPr marL="342900" indent="-342900">
+              <a:buFont typeface="Arial" panose="020B0604020202020204" pitchFamily="34" charset="0"/>
+              <a:buChar char="•"/>
+            </a:pPr>
+            <a:r>
+              <a:rPr lang="en-US" sz="2400" b="1" dirty="0">
+                <a:latin typeface="Calibri" panose="020F0502020204030204" pitchFamily="34" charset="0"/>
+                <a:cs typeface="Calibri" panose="020F0502020204030204" pitchFamily="34" charset="0"/>
+              </a:rPr>
+              <a:t>Re-organize: Optimizing with Boom Layer</a:t>
+            </a:r>
+            <a:endParaRPr lang="en-US" sz="2400" dirty="0">
+              <a:latin typeface="Calibri" panose="020F0502020204030204" pitchFamily="34" charset="0"/>
+              <a:cs typeface="Calibri" panose="020F0502020204030204" pitchFamily="34" charset="0"/>
+            </a:endParaRPr>
           </a:p>
         </p:txBody>
       </p:sp>
       <p:pic>
         <p:nvPicPr>
-          <p:cNvPr id="4" name="Picture 3">
-            <a:extLst>
-              <a:ext uri="{FF2B5EF4-FFF2-40B4-BE49-F238E27FC236}">
-                <a16:creationId xmlns:a16="http://schemas.microsoft.com/office/drawing/2014/main" id="{01A05A17-4134-CB42-BA18-D7A967D0F2DB}"/>
+          <p:cNvPr id="7" name="Picture 6">
+            <a:extLst>
+              <a:ext uri="{FF2B5EF4-FFF2-40B4-BE49-F238E27FC236}">
+                <a16:creationId xmlns:a16="http://schemas.microsoft.com/office/drawing/2014/main" id="{03DD16DF-6DDD-1440-BEC6-E2C893E34BBD}"/>
               </a:ext>
             </a:extLst>
           </p:cNvPr>
@@ -9325,8 +9720,8 @@
         </p:blipFill>
         <p:spPr>
           <a:xfrm>
-            <a:off x="1589975" y="2907884"/>
-            <a:ext cx="9012050" cy="1757124"/>
+            <a:off x="9091898" y="138352"/>
+            <a:ext cx="2483877" cy="6690442"/>
           </a:xfrm>
           <a:prstGeom prst="rect">
             <a:avLst/>
@@ -9335,10 +9730,10 @@
       </p:pic>
       <p:sp>
         <p:nvSpPr>
-          <p:cNvPr id="5" name="TextBox 4">
-            <a:extLst>
-              <a:ext uri="{FF2B5EF4-FFF2-40B4-BE49-F238E27FC236}">
-                <a16:creationId xmlns:a16="http://schemas.microsoft.com/office/drawing/2014/main" id="{7143B78D-B6B3-474D-B531-66EC4DED1CA1}"/>
+          <p:cNvPr id="14" name="TextBox 13">
+            <a:extLst>
+              <a:ext uri="{FF2B5EF4-FFF2-40B4-BE49-F238E27FC236}">
+                <a16:creationId xmlns:a16="http://schemas.microsoft.com/office/drawing/2014/main" id="{8A847973-0319-9B4F-B5CD-4F522B13162B}"/>
               </a:ext>
             </a:extLst>
           </p:cNvPr>
@@ -9347,8 +9742,8 @@
         </p:nvSpPr>
         <p:spPr>
           <a:xfrm>
-            <a:off x="1322962" y="1780162"/>
-            <a:ext cx="5985293" cy="477054"/>
+            <a:off x="1154104" y="4019887"/>
+            <a:ext cx="8424781" cy="477054"/>
           </a:xfrm>
           <a:prstGeom prst="rect">
             <a:avLst/>
@@ -9356,31 +9751,36 @@
           <a:noFill/>
         </p:spPr>
         <p:txBody>
-          <a:bodyPr wrap="none" rtlCol="0">
+          <a:bodyPr wrap="square" rtlCol="0">
             <a:spAutoFit/>
           </a:bodyPr>
           <a:lstStyle/>
           <a:p>
-            <a:pPr marL="342900" indent="-342900">
-              <a:buFont typeface="Arial" panose="020B0604020202020204" pitchFamily="34" charset="0"/>
-              <a:buChar char="•"/>
-            </a:pPr>
-            <a:r>
-              <a:rPr lang="en-US" sz="2500" b="1" dirty="0"/>
-              <a:t>Detailed parameters of EDM-</a:t>
-            </a:r>
-            <a:r>
-              <a:rPr lang="en-US" sz="2500" b="1" dirty="0" err="1"/>
+            <a:r>
+              <a:rPr lang="en-US" sz="2500" b="1" dirty="0">
+                <a:latin typeface="Times New Roman" panose="02020603050405020304" pitchFamily="18" charset="0"/>
+                <a:cs typeface="Times New Roman" panose="02020603050405020304" pitchFamily="18" charset="0"/>
+              </a:rPr>
+              <a:t>Enhancing the Dependency Mechanism of </a:t>
+            </a:r>
+            <a:r>
+              <a:rPr lang="en-US" sz="2500" b="1" dirty="0" err="1">
+                <a:latin typeface="Times New Roman" panose="02020603050405020304" pitchFamily="18" charset="0"/>
+                <a:cs typeface="Times New Roman" panose="02020603050405020304" pitchFamily="18" charset="0"/>
+              </a:rPr>
               <a:t>RoBERTa</a:t>
             </a:r>
-            <a:endParaRPr lang="en-US" sz="2500" b="1" dirty="0"/>
+            <a:endParaRPr lang="en-US" sz="2500" dirty="0">
+              <a:latin typeface="Times New Roman" panose="02020603050405020304" pitchFamily="18" charset="0"/>
+              <a:cs typeface="Times New Roman" panose="02020603050405020304" pitchFamily="18" charset="0"/>
+            </a:endParaRPr>
           </a:p>
         </p:txBody>
       </p:sp>
     </p:spTree>
     <p:extLst>
       <p:ext uri="{BB962C8B-B14F-4D97-AF65-F5344CB8AC3E}">
-        <p14:creationId xmlns:p14="http://schemas.microsoft.com/office/powerpoint/2010/main" val="266460702"/>
+        <p14:creationId xmlns:p14="http://schemas.microsoft.com/office/powerpoint/2010/main" val="2301789250"/>
       </p:ext>
     </p:extLst>
   </p:cSld>
@@ -9430,6 +9830,317 @@
         <p:spPr>
           <a:xfrm>
             <a:off x="616225" y="569844"/>
+            <a:ext cx="9500541" cy="523220"/>
+          </a:xfrm>
+          <a:prstGeom prst="rect">
+            <a:avLst/>
+          </a:prstGeom>
+          <a:noFill/>
+        </p:spPr>
+        <p:txBody>
+          <a:bodyPr wrap="square" rtlCol="0">
+            <a:spAutoFit/>
+          </a:bodyPr>
+          <a:lstStyle/>
+          <a:p>
+            <a:r>
+              <a:rPr lang="en-US" sz="2800" b="1" dirty="0"/>
+              <a:t>Optimization: Statistics</a:t>
+            </a:r>
+          </a:p>
+        </p:txBody>
+      </p:sp>
+      <p:pic>
+        <p:nvPicPr>
+          <p:cNvPr id="7" name="Picture 6">
+            <a:extLst>
+              <a:ext uri="{FF2B5EF4-FFF2-40B4-BE49-F238E27FC236}">
+                <a16:creationId xmlns:a16="http://schemas.microsoft.com/office/drawing/2014/main" id="{3EA49A00-B665-BB4E-8414-F14A25C37FAF}"/>
+              </a:ext>
+            </a:extLst>
+          </p:cNvPr>
+          <p:cNvPicPr>
+            <a:picLocks noChangeAspect="1"/>
+          </p:cNvPicPr>
+          <p:nvPr/>
+        </p:nvPicPr>
+        <p:blipFill>
+          <a:blip r:embed="rId3">
+            <a:extLst>
+              <a:ext uri="{28A0092B-C50C-407E-A947-70E740481C1C}">
+                <a14:useLocalDpi xmlns:a14="http://schemas.microsoft.com/office/drawing/2010/main" val="0"/>
+              </a:ext>
+            </a:extLst>
+          </a:blip>
+          <a:stretch>
+            <a:fillRect/>
+          </a:stretch>
+        </p:blipFill>
+        <p:spPr>
+          <a:xfrm>
+            <a:off x="817123" y="1479649"/>
+            <a:ext cx="8716836" cy="2237989"/>
+          </a:xfrm>
+          <a:prstGeom prst="rect">
+            <a:avLst/>
+          </a:prstGeom>
+        </p:spPr>
+      </p:pic>
+      <p:pic>
+        <p:nvPicPr>
+          <p:cNvPr id="9" name="Picture 8">
+            <a:extLst>
+              <a:ext uri="{FF2B5EF4-FFF2-40B4-BE49-F238E27FC236}">
+                <a16:creationId xmlns:a16="http://schemas.microsoft.com/office/drawing/2014/main" id="{039B4765-42F5-9541-BC34-8ACF710B3366}"/>
+              </a:ext>
+            </a:extLst>
+          </p:cNvPr>
+          <p:cNvPicPr>
+            <a:picLocks noChangeAspect="1"/>
+          </p:cNvPicPr>
+          <p:nvPr/>
+        </p:nvPicPr>
+        <p:blipFill>
+          <a:blip r:embed="rId4">
+            <a:extLst>
+              <a:ext uri="{28A0092B-C50C-407E-A947-70E740481C1C}">
+                <a14:useLocalDpi xmlns:a14="http://schemas.microsoft.com/office/drawing/2010/main" val="0"/>
+              </a:ext>
+            </a:extLst>
+          </a:blip>
+          <a:stretch>
+            <a:fillRect/>
+          </a:stretch>
+        </p:blipFill>
+        <p:spPr>
+          <a:xfrm>
+            <a:off x="2869660" y="4330567"/>
+            <a:ext cx="9015380" cy="2237989"/>
+          </a:xfrm>
+          <a:prstGeom prst="rect">
+            <a:avLst/>
+          </a:prstGeom>
+        </p:spPr>
+      </p:pic>
+    </p:spTree>
+    <p:extLst>
+      <p:ext uri="{BB962C8B-B14F-4D97-AF65-F5344CB8AC3E}">
+        <p14:creationId xmlns:p14="http://schemas.microsoft.com/office/powerpoint/2010/main" val="1987724706"/>
+      </p:ext>
+    </p:extLst>
+  </p:cSld>
+  <p:clrMapOvr>
+    <a:masterClrMapping/>
+  </p:clrMapOvr>
+</p:sld>
+</file>
+
+<file path=ppt/slides/slide15.xml><?xml version="1.0" encoding="utf-8"?>
+<p:sld xmlns:a="http://schemas.openxmlformats.org/drawingml/2006/main" xmlns:r="http://schemas.openxmlformats.org/officeDocument/2006/relationships" xmlns:p="http://schemas.openxmlformats.org/presentationml/2006/main">
+  <p:cSld>
+    <p:bg>
+      <p:bgPr>
+        <a:solidFill>
+          <a:schemeClr val="bg1"/>
+        </a:solidFill>
+        <a:effectLst/>
+      </p:bgPr>
+    </p:bg>
+    <p:spTree>
+      <p:nvGrpSpPr>
+        <p:cNvPr id="1" name=""/>
+        <p:cNvGrpSpPr/>
+        <p:nvPr/>
+      </p:nvGrpSpPr>
+      <p:grpSpPr>
+        <a:xfrm>
+          <a:off x="0" y="0"/>
+          <a:ext cx="0" cy="0"/>
+          <a:chOff x="0" y="0"/>
+          <a:chExt cx="0" cy="0"/>
+        </a:xfrm>
+      </p:grpSpPr>
+      <p:sp>
+        <p:nvSpPr>
+          <p:cNvPr id="2" name="文字方塊 9">
+            <a:extLst>
+              <a:ext uri="{FF2B5EF4-FFF2-40B4-BE49-F238E27FC236}">
+                <a16:creationId xmlns:a16="http://schemas.microsoft.com/office/drawing/2014/main" id="{1472181F-E1C9-5B4B-AC5F-B6ABF9C576B7}"/>
+              </a:ext>
+            </a:extLst>
+          </p:cNvPr>
+          <p:cNvSpPr txBox="1"/>
+          <p:nvPr/>
+        </p:nvSpPr>
+        <p:spPr>
+          <a:xfrm>
+            <a:off x="616225" y="569844"/>
+            <a:ext cx="11008328" cy="523220"/>
+          </a:xfrm>
+          <a:prstGeom prst="rect">
+            <a:avLst/>
+          </a:prstGeom>
+          <a:noFill/>
+        </p:spPr>
+        <p:txBody>
+          <a:bodyPr wrap="square" rtlCol="0">
+            <a:spAutoFit/>
+          </a:bodyPr>
+          <a:lstStyle/>
+          <a:p>
+            <a:r>
+              <a:rPr lang="en-US" sz="2800" b="1" dirty="0"/>
+              <a:t>EDM-</a:t>
+            </a:r>
+            <a:r>
+              <a:rPr lang="en-US" sz="2800" b="1" dirty="0" err="1"/>
+              <a:t>RoBERTa</a:t>
+            </a:r>
+            <a:r>
+              <a:rPr lang="en-US" sz="2800" b="1" dirty="0"/>
+              <a:t>: Enhancing the Dependency Structure of </a:t>
+            </a:r>
+            <a:r>
+              <a:rPr lang="en-US" sz="2800" b="1" dirty="0" err="1"/>
+              <a:t>RoBERTa</a:t>
+            </a:r>
+            <a:endParaRPr lang="en-US" sz="2800" b="1" dirty="0"/>
+          </a:p>
+        </p:txBody>
+      </p:sp>
+      <p:pic>
+        <p:nvPicPr>
+          <p:cNvPr id="4" name="Picture 3">
+            <a:extLst>
+              <a:ext uri="{FF2B5EF4-FFF2-40B4-BE49-F238E27FC236}">
+                <a16:creationId xmlns:a16="http://schemas.microsoft.com/office/drawing/2014/main" id="{01A05A17-4134-CB42-BA18-D7A967D0F2DB}"/>
+              </a:ext>
+            </a:extLst>
+          </p:cNvPr>
+          <p:cNvPicPr>
+            <a:picLocks noChangeAspect="1"/>
+          </p:cNvPicPr>
+          <p:nvPr/>
+        </p:nvPicPr>
+        <p:blipFill>
+          <a:blip r:embed="rId3">
+            <a:extLst>
+              <a:ext uri="{28A0092B-C50C-407E-A947-70E740481C1C}">
+                <a14:useLocalDpi xmlns:a14="http://schemas.microsoft.com/office/drawing/2010/main" val="0"/>
+              </a:ext>
+            </a:extLst>
+          </a:blip>
+          <a:stretch>
+            <a:fillRect/>
+          </a:stretch>
+        </p:blipFill>
+        <p:spPr>
+          <a:xfrm>
+            <a:off x="1589975" y="2907884"/>
+            <a:ext cx="9012050" cy="1757124"/>
+          </a:xfrm>
+          <a:prstGeom prst="rect">
+            <a:avLst/>
+          </a:prstGeom>
+        </p:spPr>
+      </p:pic>
+      <p:sp>
+        <p:nvSpPr>
+          <p:cNvPr id="5" name="TextBox 4">
+            <a:extLst>
+              <a:ext uri="{FF2B5EF4-FFF2-40B4-BE49-F238E27FC236}">
+                <a16:creationId xmlns:a16="http://schemas.microsoft.com/office/drawing/2014/main" id="{7143B78D-B6B3-474D-B531-66EC4DED1CA1}"/>
+              </a:ext>
+            </a:extLst>
+          </p:cNvPr>
+          <p:cNvSpPr txBox="1"/>
+          <p:nvPr/>
+        </p:nvSpPr>
+        <p:spPr>
+          <a:xfrm>
+            <a:off x="1322962" y="1780162"/>
+            <a:ext cx="5985293" cy="477054"/>
+          </a:xfrm>
+          <a:prstGeom prst="rect">
+            <a:avLst/>
+          </a:prstGeom>
+          <a:noFill/>
+        </p:spPr>
+        <p:txBody>
+          <a:bodyPr wrap="none" rtlCol="0">
+            <a:spAutoFit/>
+          </a:bodyPr>
+          <a:lstStyle/>
+          <a:p>
+            <a:pPr marL="342900" indent="-342900">
+              <a:buFont typeface="Arial" panose="020B0604020202020204" pitchFamily="34" charset="0"/>
+              <a:buChar char="•"/>
+            </a:pPr>
+            <a:r>
+              <a:rPr lang="en-US" sz="2500" b="1" dirty="0"/>
+              <a:t>Detailed parameters of EDM-</a:t>
+            </a:r>
+            <a:r>
+              <a:rPr lang="en-US" sz="2500" b="1" dirty="0" err="1"/>
+              <a:t>RoBERTa</a:t>
+            </a:r>
+            <a:endParaRPr lang="en-US" sz="2500" b="1" dirty="0"/>
+          </a:p>
+        </p:txBody>
+      </p:sp>
+    </p:spTree>
+    <p:extLst>
+      <p:ext uri="{BB962C8B-B14F-4D97-AF65-F5344CB8AC3E}">
+        <p14:creationId xmlns:p14="http://schemas.microsoft.com/office/powerpoint/2010/main" val="266460702"/>
+      </p:ext>
+    </p:extLst>
+  </p:cSld>
+  <p:clrMapOvr>
+    <a:masterClrMapping/>
+  </p:clrMapOvr>
+</p:sld>
+</file>
+
+<file path=ppt/slides/slide16.xml><?xml version="1.0" encoding="utf-8"?>
+<p:sld xmlns:a="http://schemas.openxmlformats.org/drawingml/2006/main" xmlns:r="http://schemas.openxmlformats.org/officeDocument/2006/relationships" xmlns:p="http://schemas.openxmlformats.org/presentationml/2006/main">
+  <p:cSld>
+    <p:bg>
+      <p:bgPr>
+        <a:solidFill>
+          <a:schemeClr val="bg1"/>
+        </a:solidFill>
+        <a:effectLst/>
+      </p:bgPr>
+    </p:bg>
+    <p:spTree>
+      <p:nvGrpSpPr>
+        <p:cNvPr id="1" name=""/>
+        <p:cNvGrpSpPr/>
+        <p:nvPr/>
+      </p:nvGrpSpPr>
+      <p:grpSpPr>
+        <a:xfrm>
+          <a:off x="0" y="0"/>
+          <a:ext cx="0" cy="0"/>
+          <a:chOff x="0" y="0"/>
+          <a:chExt cx="0" cy="0"/>
+        </a:xfrm>
+      </p:grpSpPr>
+      <p:sp>
+        <p:nvSpPr>
+          <p:cNvPr id="2" name="文字方塊 9">
+            <a:extLst>
+              <a:ext uri="{FF2B5EF4-FFF2-40B4-BE49-F238E27FC236}">
+                <a16:creationId xmlns:a16="http://schemas.microsoft.com/office/drawing/2014/main" id="{1472181F-E1C9-5B4B-AC5F-B6ABF9C576B7}"/>
+              </a:ext>
+            </a:extLst>
+          </p:cNvPr>
+          <p:cNvSpPr txBox="1"/>
+          <p:nvPr/>
+        </p:nvSpPr>
+        <p:spPr>
+          <a:xfrm>
+            <a:off x="616225" y="569844"/>
             <a:ext cx="11008328" cy="523220"/>
           </a:xfrm>
           <a:prstGeom prst="rect">
@@ -9499,7 +10210,7 @@
 </p:sld>
 </file>
 
-<file path=ppt/slides/slide15.xml><?xml version="1.0" encoding="utf-8"?>
+<file path=ppt/slides/slide17.xml><?xml version="1.0" encoding="utf-8"?>
 <p:sld xmlns:a="http://schemas.openxmlformats.org/drawingml/2006/main" xmlns:r="http://schemas.openxmlformats.org/officeDocument/2006/relationships" xmlns:p="http://schemas.openxmlformats.org/presentationml/2006/main">
   <p:cSld>
     <p:bg>
@@ -10953,7 +11664,7 @@
         </p:nvSpPr>
         <p:spPr>
           <a:xfrm>
-            <a:off x="1752850" y="4495710"/>
+            <a:off x="1752848" y="4535656"/>
             <a:ext cx="10907922" cy="461665"/>
           </a:xfrm>
           <a:prstGeom prst="rect">
@@ -11604,10 +12315,10 @@
       </p:sp>
       <p:sp>
         <p:nvSpPr>
-          <p:cNvPr id="5" name="TextBox 4">
-            <a:extLst>
-              <a:ext uri="{FF2B5EF4-FFF2-40B4-BE49-F238E27FC236}">
-                <a16:creationId xmlns:a16="http://schemas.microsoft.com/office/drawing/2014/main" id="{0F0A5022-A9F2-4143-B927-A449071B04E6}"/>
+          <p:cNvPr id="12" name="TextBox 11">
+            <a:extLst>
+              <a:ext uri="{FF2B5EF4-FFF2-40B4-BE49-F238E27FC236}">
+                <a16:creationId xmlns:a16="http://schemas.microsoft.com/office/drawing/2014/main" id="{BADF6B0D-70A2-C543-A968-7B986D74325C}"/>
               </a:ext>
             </a:extLst>
           </p:cNvPr>
@@ -11616,8 +12327,8 @@
         </p:nvSpPr>
         <p:spPr>
           <a:xfrm>
-            <a:off x="1806418" y="4185280"/>
-            <a:ext cx="3560077" cy="461665"/>
+            <a:off x="1081364" y="1686157"/>
+            <a:ext cx="4800545" cy="461665"/>
           </a:xfrm>
           <a:prstGeom prst="rect">
             <a:avLst/>
@@ -11639,17 +12350,52 @@
                 <a:latin typeface="Calibri" panose="020F0502020204030204" pitchFamily="34" charset="0"/>
                 <a:cs typeface="Calibri" panose="020F0502020204030204" pitchFamily="34" charset="0"/>
               </a:rPr>
-              <a:t>Multi-headed Attention</a:t>
+              <a:t>Scaled Dot-Product Self Attention</a:t>
             </a:r>
           </a:p>
         </p:txBody>
       </p:sp>
       <p:pic>
         <p:nvPicPr>
-          <p:cNvPr id="8" name="Graphic 7">
-            <a:extLst>
-              <a:ext uri="{FF2B5EF4-FFF2-40B4-BE49-F238E27FC236}">
-                <a16:creationId xmlns:a16="http://schemas.microsoft.com/office/drawing/2014/main" id="{ED9A1A52-F217-754E-A733-83DA33FECBD7}"/>
+          <p:cNvPr id="4" name="圖片 3">
+            <a:extLst>
+              <a:ext uri="{FF2B5EF4-FFF2-40B4-BE49-F238E27FC236}">
+                <a16:creationId xmlns:a16="http://schemas.microsoft.com/office/drawing/2014/main" id="{E4E23801-30FF-482F-98A2-6E26DDF23DC6}"/>
+              </a:ext>
+            </a:extLst>
+          </p:cNvPr>
+          <p:cNvPicPr>
+            <a:picLocks noChangeAspect="1"/>
+          </p:cNvPicPr>
+          <p:nvPr/>
+        </p:nvPicPr>
+        <p:blipFill rotWithShape="1">
+          <a:blip r:embed="rId3">
+            <a:extLst>
+              <a:ext uri="{28A0092B-C50C-407E-A947-70E740481C1C}">
+                <a14:useLocalDpi xmlns:a14="http://schemas.microsoft.com/office/drawing/2010/main" val="0"/>
+              </a:ext>
+            </a:extLst>
+          </a:blip>
+          <a:srcRect l="-1" r="38337"/>
+          <a:stretch/>
+        </p:blipFill>
+        <p:spPr>
+          <a:xfrm>
+            <a:off x="1081364" y="3178660"/>
+            <a:ext cx="4216087" cy="809679"/>
+          </a:xfrm>
+          <a:prstGeom prst="rect">
+            <a:avLst/>
+          </a:prstGeom>
+        </p:spPr>
+      </p:pic>
+      <p:pic>
+        <p:nvPicPr>
+          <p:cNvPr id="6" name="Picture 5">
+            <a:extLst>
+              <a:ext uri="{FF2B5EF4-FFF2-40B4-BE49-F238E27FC236}">
+                <a16:creationId xmlns:a16="http://schemas.microsoft.com/office/drawing/2014/main" id="{B8E806E6-B826-3B46-B210-8D486570DE5E}"/>
               </a:ext>
             </a:extLst>
           </p:cNvPr>
@@ -11659,13 +12405,10 @@
           <p:nvPr/>
         </p:nvPicPr>
         <p:blipFill>
-          <a:blip r:embed="rId3">
+          <a:blip r:embed="rId4">
             <a:extLst>
               <a:ext uri="{28A0092B-C50C-407E-A947-70E740481C1C}">
                 <a14:useLocalDpi xmlns:a14="http://schemas.microsoft.com/office/drawing/2010/main" val="0"/>
-              </a:ext>
-              <a:ext uri="{96DAC541-7B7A-43D3-8B79-37D633B846F1}">
-                <asvg:svgBlip xmlns:asvg="http://schemas.microsoft.com/office/drawing/2016/SVG/main" r:embed="rId4"/>
               </a:ext>
             </a:extLst>
           </a:blip>
@@ -11675,124 +12418,8 @@
         </p:blipFill>
         <p:spPr>
           <a:xfrm>
-            <a:off x="6805581" y="1669873"/>
-            <a:ext cx="4791583" cy="2224663"/>
-          </a:xfrm>
-          <a:prstGeom prst="rect">
-            <a:avLst/>
-          </a:prstGeom>
-        </p:spPr>
-      </p:pic>
-      <p:pic>
-        <p:nvPicPr>
-          <p:cNvPr id="11" name="Graphic 10">
-            <a:extLst>
-              <a:ext uri="{FF2B5EF4-FFF2-40B4-BE49-F238E27FC236}">
-                <a16:creationId xmlns:a16="http://schemas.microsoft.com/office/drawing/2014/main" id="{556628F3-2664-9F45-9E3D-A5F441A60F44}"/>
-              </a:ext>
-            </a:extLst>
-          </p:cNvPr>
-          <p:cNvPicPr>
-            <a:picLocks noChangeAspect="1"/>
-          </p:cNvPicPr>
-          <p:nvPr/>
-        </p:nvPicPr>
-        <p:blipFill>
-          <a:blip r:embed="rId5">
-            <a:extLst>
-              <a:ext uri="{28A0092B-C50C-407E-A947-70E740481C1C}">
-                <a14:useLocalDpi xmlns:a14="http://schemas.microsoft.com/office/drawing/2010/main" val="0"/>
-              </a:ext>
-              <a:ext uri="{96DAC541-7B7A-43D3-8B79-37D633B846F1}">
-                <asvg:svgBlip xmlns:asvg="http://schemas.microsoft.com/office/drawing/2016/SVG/main" r:embed="rId6"/>
-              </a:ext>
-            </a:extLst>
-          </a:blip>
-          <a:stretch>
-            <a:fillRect/>
-          </a:stretch>
-        </p:blipFill>
-        <p:spPr>
-          <a:xfrm>
-            <a:off x="7084422" y="4263571"/>
-            <a:ext cx="4712474" cy="2381438"/>
-          </a:xfrm>
-          <a:prstGeom prst="rect">
-            <a:avLst/>
-          </a:prstGeom>
-        </p:spPr>
-      </p:pic>
-      <p:sp>
-        <p:nvSpPr>
-          <p:cNvPr id="12" name="TextBox 11">
-            <a:extLst>
-              <a:ext uri="{FF2B5EF4-FFF2-40B4-BE49-F238E27FC236}">
-                <a16:creationId xmlns:a16="http://schemas.microsoft.com/office/drawing/2014/main" id="{BADF6B0D-70A2-C543-A968-7B986D74325C}"/>
-              </a:ext>
-            </a:extLst>
-          </p:cNvPr>
-          <p:cNvSpPr txBox="1"/>
-          <p:nvPr/>
-        </p:nvSpPr>
-        <p:spPr>
-          <a:xfrm>
-            <a:off x="1806418" y="1669873"/>
-            <a:ext cx="2288896" cy="461665"/>
-          </a:xfrm>
-          <a:prstGeom prst="rect">
-            <a:avLst/>
-          </a:prstGeom>
-          <a:noFill/>
-        </p:spPr>
-        <p:txBody>
-          <a:bodyPr wrap="none" rtlCol="0">
-            <a:spAutoFit/>
-          </a:bodyPr>
-          <a:lstStyle/>
-          <a:p>
-            <a:pPr marL="342900" indent="-342900">
-              <a:buFont typeface="Arial" panose="020B0604020202020204" pitchFamily="34" charset="0"/>
-              <a:buChar char="•"/>
-            </a:pPr>
-            <a:r>
-              <a:rPr lang="en-US" sz="2400" b="1" dirty="0">
-                <a:latin typeface="Calibri" panose="020F0502020204030204" pitchFamily="34" charset="0"/>
-                <a:cs typeface="Calibri" panose="020F0502020204030204" pitchFamily="34" charset="0"/>
-              </a:rPr>
-              <a:t>Self Attention</a:t>
-            </a:r>
-          </a:p>
-        </p:txBody>
-      </p:sp>
-      <p:pic>
-        <p:nvPicPr>
-          <p:cNvPr id="4" name="圖片 3">
-            <a:extLst>
-              <a:ext uri="{FF2B5EF4-FFF2-40B4-BE49-F238E27FC236}">
-                <a16:creationId xmlns:a16="http://schemas.microsoft.com/office/drawing/2014/main" id="{E4E23801-30FF-482F-98A2-6E26DDF23DC6}"/>
-              </a:ext>
-            </a:extLst>
-          </p:cNvPr>
-          <p:cNvPicPr>
-            <a:picLocks noChangeAspect="1"/>
-          </p:cNvPicPr>
-          <p:nvPr/>
-        </p:nvPicPr>
-        <p:blipFill rotWithShape="1">
-          <a:blip r:embed="rId7">
-            <a:extLst>
-              <a:ext uri="{28A0092B-C50C-407E-A947-70E740481C1C}">
-                <a14:useLocalDpi xmlns:a14="http://schemas.microsoft.com/office/drawing/2010/main" val="0"/>
-              </a:ext>
-            </a:extLst>
-          </a:blip>
-          <a:srcRect l="-1" r="38337"/>
-          <a:stretch/>
-        </p:blipFill>
-        <p:spPr>
-          <a:xfrm>
-            <a:off x="2175226" y="2724542"/>
-            <a:ext cx="3949874" cy="758554"/>
+            <a:off x="5648527" y="2959904"/>
+            <a:ext cx="6095998" cy="2947642"/>
           </a:xfrm>
           <a:prstGeom prst="rect">
             <a:avLst/>
@@ -11802,7 +12429,7 @@
     </p:spTree>
     <p:extLst>
       <p:ext uri="{BB962C8B-B14F-4D97-AF65-F5344CB8AC3E}">
-        <p14:creationId xmlns:p14="http://schemas.microsoft.com/office/powerpoint/2010/main" val="3666552043"/>
+        <p14:creationId xmlns:p14="http://schemas.microsoft.com/office/powerpoint/2010/main" val="3746276885"/>
       </p:ext>
     </p:extLst>
   </p:cSld>
@@ -11867,17 +12494,17 @@
           <a:p>
             <a:r>
               <a:rPr lang="en-US" sz="2800" b="1" dirty="0"/>
-              <a:t>Problems with Attention Mechanism</a:t>
-            </a:r>
-          </a:p>
-        </p:txBody>
-      </p:sp>
-      <p:sp>
-        <p:nvSpPr>
-          <p:cNvPr id="13" name="TextBox 5">
-            <a:extLst>
-              <a:ext uri="{FF2B5EF4-FFF2-40B4-BE49-F238E27FC236}">
-                <a16:creationId xmlns:a16="http://schemas.microsoft.com/office/drawing/2014/main" id="{A35F1A04-046B-42E3-9C3B-FFD642B26147}"/>
+              <a:t>Attention Mechanism</a:t>
+            </a:r>
+          </a:p>
+        </p:txBody>
+      </p:sp>
+      <p:sp>
+        <p:nvSpPr>
+          <p:cNvPr id="5" name="TextBox 4">
+            <a:extLst>
+              <a:ext uri="{FF2B5EF4-FFF2-40B4-BE49-F238E27FC236}">
+                <a16:creationId xmlns:a16="http://schemas.microsoft.com/office/drawing/2014/main" id="{0F0A5022-A9F2-4143-B927-A449071B04E6}"/>
               </a:ext>
             </a:extLst>
           </p:cNvPr>
@@ -11886,8 +12513,8 @@
         </p:nvSpPr>
         <p:spPr>
           <a:xfrm>
-            <a:off x="1790024" y="2339903"/>
-            <a:ext cx="9811212" cy="830997"/>
+            <a:off x="1806418" y="4185280"/>
+            <a:ext cx="3588931" cy="461665"/>
           </a:xfrm>
           <a:prstGeom prst="rect">
             <a:avLst/>
@@ -11901,167 +12528,178 @@
           <a:lstStyle/>
           <a:p>
             <a:pPr marL="342900" indent="-342900">
-              <a:buFont typeface="Wingdings" pitchFamily="2" charset="2"/>
-              <a:buChar char="§"/>
+              <a:buFont typeface="Arial" panose="020B0604020202020204" pitchFamily="34" charset="0"/>
+              <a:buChar char="•"/>
             </a:pPr>
             <a:r>
               <a:rPr lang="en-US" sz="2400" b="1" dirty="0">
                 <a:latin typeface="Calibri" panose="020F0502020204030204" pitchFamily="34" charset="0"/>
                 <a:cs typeface="Calibri" panose="020F0502020204030204" pitchFamily="34" charset="0"/>
               </a:rPr>
-              <a:t>Too many heads -&gt; Impossible to process queries from multiple positions</a:t>
-            </a:r>
-          </a:p>
-          <a:p>
-            <a:pPr lvl="6"/>
+              <a:t>Multi-Headed Attention</a:t>
+            </a:r>
+          </a:p>
+        </p:txBody>
+      </p:sp>
+      <p:pic>
+        <p:nvPicPr>
+          <p:cNvPr id="8" name="Graphic 7">
+            <a:extLst>
+              <a:ext uri="{FF2B5EF4-FFF2-40B4-BE49-F238E27FC236}">
+                <a16:creationId xmlns:a16="http://schemas.microsoft.com/office/drawing/2014/main" id="{ED9A1A52-F217-754E-A733-83DA33FECBD7}"/>
+              </a:ext>
+            </a:extLst>
+          </p:cNvPr>
+          <p:cNvPicPr>
+            <a:picLocks noChangeAspect="1"/>
+          </p:cNvPicPr>
+          <p:nvPr/>
+        </p:nvPicPr>
+        <p:blipFill>
+          <a:blip r:embed="rId3">
+            <a:extLst>
+              <a:ext uri="{28A0092B-C50C-407E-A947-70E740481C1C}">
+                <a14:useLocalDpi xmlns:a14="http://schemas.microsoft.com/office/drawing/2010/main" val="0"/>
+              </a:ext>
+              <a:ext uri="{96DAC541-7B7A-43D3-8B79-37D633B846F1}">
+                <asvg:svgBlip xmlns:asvg="http://schemas.microsoft.com/office/drawing/2016/SVG/main" r:embed="rId4"/>
+              </a:ext>
+            </a:extLst>
+          </a:blip>
+          <a:stretch>
+            <a:fillRect/>
+          </a:stretch>
+        </p:blipFill>
+        <p:spPr>
+          <a:xfrm>
+            <a:off x="6805581" y="1669873"/>
+            <a:ext cx="4791583" cy="2224663"/>
+          </a:xfrm>
+          <a:prstGeom prst="rect">
+            <a:avLst/>
+          </a:prstGeom>
+        </p:spPr>
+      </p:pic>
+      <p:pic>
+        <p:nvPicPr>
+          <p:cNvPr id="11" name="Graphic 10">
+            <a:extLst>
+              <a:ext uri="{FF2B5EF4-FFF2-40B4-BE49-F238E27FC236}">
+                <a16:creationId xmlns:a16="http://schemas.microsoft.com/office/drawing/2014/main" id="{556628F3-2664-9F45-9E3D-A5F441A60F44}"/>
+              </a:ext>
+            </a:extLst>
+          </p:cNvPr>
+          <p:cNvPicPr>
+            <a:picLocks noChangeAspect="1"/>
+          </p:cNvPicPr>
+          <p:nvPr/>
+        </p:nvPicPr>
+        <p:blipFill>
+          <a:blip r:embed="rId5">
+            <a:extLst>
+              <a:ext uri="{28A0092B-C50C-407E-A947-70E740481C1C}">
+                <a14:useLocalDpi xmlns:a14="http://schemas.microsoft.com/office/drawing/2010/main" val="0"/>
+              </a:ext>
+              <a:ext uri="{96DAC541-7B7A-43D3-8B79-37D633B846F1}">
+                <asvg:svgBlip xmlns:asvg="http://schemas.microsoft.com/office/drawing/2016/SVG/main" r:embed="rId6"/>
+              </a:ext>
+            </a:extLst>
+          </a:blip>
+          <a:stretch>
+            <a:fillRect/>
+          </a:stretch>
+        </p:blipFill>
+        <p:spPr>
+          <a:xfrm>
+            <a:off x="7084422" y="4263571"/>
+            <a:ext cx="4712474" cy="2381438"/>
+          </a:xfrm>
+          <a:prstGeom prst="rect">
+            <a:avLst/>
+          </a:prstGeom>
+        </p:spPr>
+      </p:pic>
+      <p:sp>
+        <p:nvSpPr>
+          <p:cNvPr id="12" name="TextBox 11">
+            <a:extLst>
+              <a:ext uri="{FF2B5EF4-FFF2-40B4-BE49-F238E27FC236}">
+                <a16:creationId xmlns:a16="http://schemas.microsoft.com/office/drawing/2014/main" id="{BADF6B0D-70A2-C543-A968-7B986D74325C}"/>
+              </a:ext>
+            </a:extLst>
+          </p:cNvPr>
+          <p:cNvSpPr txBox="1"/>
+          <p:nvPr/>
+        </p:nvSpPr>
+        <p:spPr>
+          <a:xfrm>
+            <a:off x="1806418" y="1669873"/>
+            <a:ext cx="4257127" cy="461665"/>
+          </a:xfrm>
+          <a:prstGeom prst="rect">
+            <a:avLst/>
+          </a:prstGeom>
+          <a:noFill/>
+        </p:spPr>
+        <p:txBody>
+          <a:bodyPr wrap="none" rtlCol="0">
+            <a:spAutoFit/>
+          </a:bodyPr>
+          <a:lstStyle/>
+          <a:p>
+            <a:pPr marL="342900" indent="-342900">
+              <a:buFont typeface="Arial" panose="020B0604020202020204" pitchFamily="34" charset="0"/>
+              <a:buChar char="•"/>
+            </a:pPr>
             <a:r>
               <a:rPr lang="en-US" sz="2400" b="1" dirty="0">
                 <a:latin typeface="Calibri" panose="020F0502020204030204" pitchFamily="34" charset="0"/>
                 <a:cs typeface="Calibri" panose="020F0502020204030204" pitchFamily="34" charset="0"/>
               </a:rPr>
-              <a:t>in parallel.</a:t>
-            </a:r>
-            <a:endParaRPr lang="en-US" sz="2400" dirty="0">
-              <a:latin typeface="Calibri" panose="020F0502020204030204" pitchFamily="34" charset="0"/>
-              <a:cs typeface="Calibri" panose="020F0502020204030204" pitchFamily="34" charset="0"/>
-            </a:endParaRPr>
-          </a:p>
-        </p:txBody>
-      </p:sp>
-      <p:sp>
-        <p:nvSpPr>
-          <p:cNvPr id="14" name="TextBox 6">
-            <a:extLst>
-              <a:ext uri="{FF2B5EF4-FFF2-40B4-BE49-F238E27FC236}">
-                <a16:creationId xmlns:a16="http://schemas.microsoft.com/office/drawing/2014/main" id="{1DFF8FF5-A1E8-4D4B-9DE1-775A18258604}"/>
-              </a:ext>
-            </a:extLst>
-          </p:cNvPr>
-          <p:cNvSpPr txBox="1"/>
+              <a:t>Scaled Dot-Product Attention</a:t>
+            </a:r>
+          </a:p>
+        </p:txBody>
+      </p:sp>
+      <p:pic>
+        <p:nvPicPr>
+          <p:cNvPr id="4" name="圖片 3">
+            <a:extLst>
+              <a:ext uri="{FF2B5EF4-FFF2-40B4-BE49-F238E27FC236}">
+                <a16:creationId xmlns:a16="http://schemas.microsoft.com/office/drawing/2014/main" id="{E4E23801-30FF-482F-98A2-6E26DDF23DC6}"/>
+              </a:ext>
+            </a:extLst>
+          </p:cNvPr>
+          <p:cNvPicPr>
+            <a:picLocks noChangeAspect="1"/>
+          </p:cNvPicPr>
           <p:nvPr/>
-        </p:nvSpPr>
-        <p:spPr>
-          <a:xfrm>
-            <a:off x="1790025" y="3170900"/>
-            <a:ext cx="3747949" cy="461665"/>
+        </p:nvPicPr>
+        <p:blipFill rotWithShape="1">
+          <a:blip r:embed="rId7">
+            <a:extLst>
+              <a:ext uri="{28A0092B-C50C-407E-A947-70E740481C1C}">
+                <a14:useLocalDpi xmlns:a14="http://schemas.microsoft.com/office/drawing/2010/main" val="0"/>
+              </a:ext>
+            </a:extLst>
+          </a:blip>
+          <a:srcRect l="-1" r="38337"/>
+          <a:stretch/>
+        </p:blipFill>
+        <p:spPr>
+          <a:xfrm>
+            <a:off x="2175226" y="2724542"/>
+            <a:ext cx="3949874" cy="758554"/>
           </a:xfrm>
           <a:prstGeom prst="rect">
             <a:avLst/>
           </a:prstGeom>
-          <a:noFill/>
-        </p:spPr>
-        <p:txBody>
-          <a:bodyPr wrap="none" rtlCol="0">
-            <a:spAutoFit/>
-          </a:bodyPr>
-          <a:lstStyle/>
-          <a:p>
-            <a:pPr marL="342900" indent="-342900">
-              <a:buFont typeface="Wingdings" pitchFamily="2" charset="2"/>
-              <a:buChar char="§"/>
-            </a:pPr>
-            <a:r>
-              <a:rPr lang="en-US" sz="2400" b="1" dirty="0">
-                <a:solidFill>
-                  <a:srgbClr val="FF0000"/>
-                </a:solidFill>
-                <a:latin typeface="Calibri" panose="020F0502020204030204" pitchFamily="34" charset="0"/>
-                <a:cs typeface="Calibri" panose="020F0502020204030204" pitchFamily="34" charset="0"/>
-              </a:rPr>
-              <a:t>Valid heads are unknown</a:t>
-            </a:r>
-          </a:p>
-        </p:txBody>
-      </p:sp>
-      <p:sp>
-        <p:nvSpPr>
-          <p:cNvPr id="15" name="TextBox 9">
-            <a:extLst>
-              <a:ext uri="{FF2B5EF4-FFF2-40B4-BE49-F238E27FC236}">
-                <a16:creationId xmlns:a16="http://schemas.microsoft.com/office/drawing/2014/main" id="{4F69F72C-E1BD-4408-B368-6888FC13EC7B}"/>
-              </a:ext>
-            </a:extLst>
-          </p:cNvPr>
-          <p:cNvSpPr txBox="1"/>
-          <p:nvPr/>
-        </p:nvSpPr>
-        <p:spPr>
-          <a:xfrm>
-            <a:off x="1790024" y="3822153"/>
-            <a:ext cx="9510843" cy="830997"/>
-          </a:xfrm>
-          <a:prstGeom prst="rect">
-            <a:avLst/>
-          </a:prstGeom>
-          <a:noFill/>
-        </p:spPr>
-        <p:txBody>
-          <a:bodyPr wrap="square" rtlCol="0">
-            <a:spAutoFit/>
-          </a:bodyPr>
-          <a:lstStyle/>
-          <a:p>
-            <a:pPr marL="342900" indent="-342900">
-              <a:buFont typeface="Wingdings" pitchFamily="2" charset="2"/>
-              <a:buChar char="§"/>
-            </a:pPr>
-            <a:r>
-              <a:rPr lang="en-US" sz="2400" b="1" dirty="0">
-                <a:solidFill>
-                  <a:srgbClr val="FF0000"/>
-                </a:solidFill>
-                <a:latin typeface="Calibri" panose="020F0502020204030204" pitchFamily="34" charset="0"/>
-                <a:cs typeface="Calibri" panose="020F0502020204030204" pitchFamily="34" charset="0"/>
-              </a:rPr>
-              <a:t>Processing with “Valid heads” problem:</a:t>
-            </a:r>
-            <a:br>
-              <a:rPr lang="en-US" sz="2400" b="1" dirty="0">
-                <a:solidFill>
-                  <a:srgbClr val="FF0000"/>
-                </a:solidFill>
-                <a:latin typeface="Calibri" panose="020F0502020204030204" pitchFamily="34" charset="0"/>
-                <a:cs typeface="Calibri" panose="020F0502020204030204" pitchFamily="34" charset="0"/>
-              </a:rPr>
-            </a:br>
-            <a:r>
-              <a:rPr lang="en-US" sz="2400" b="1" dirty="0">
-                <a:solidFill>
-                  <a:srgbClr val="FF0000"/>
-                </a:solidFill>
-                <a:latin typeface="Calibri" panose="020F0502020204030204" pitchFamily="34" charset="0"/>
-                <a:cs typeface="Calibri" panose="020F0502020204030204" pitchFamily="34" charset="0"/>
-              </a:rPr>
-              <a:t>	</a:t>
-            </a:r>
-            <a:r>
-              <a:rPr lang="en-US" sz="2400" b="1" dirty="0">
-                <a:latin typeface="Calibri" panose="020F0502020204030204" pitchFamily="34" charset="0"/>
-                <a:cs typeface="Calibri" panose="020F0502020204030204" pitchFamily="34" charset="0"/>
-              </a:rPr>
-              <a:t>We propose EDM-</a:t>
-            </a:r>
-            <a:r>
-              <a:rPr lang="en-US" sz="2400" b="1" dirty="0" err="1">
-                <a:latin typeface="Calibri" panose="020F0502020204030204" pitchFamily="34" charset="0"/>
-                <a:cs typeface="Calibri" panose="020F0502020204030204" pitchFamily="34" charset="0"/>
-              </a:rPr>
-              <a:t>RoBERTa</a:t>
-            </a:r>
-            <a:r>
-              <a:rPr lang="en-US" sz="2400" b="1" dirty="0">
-                <a:latin typeface="Calibri" panose="020F0502020204030204" pitchFamily="34" charset="0"/>
-                <a:cs typeface="Calibri" panose="020F0502020204030204" pitchFamily="34" charset="0"/>
-              </a:rPr>
-              <a:t> to optimize the attention process</a:t>
-            </a:r>
-          </a:p>
-        </p:txBody>
-      </p:sp>
+        </p:spPr>
+      </p:pic>
     </p:spTree>
     <p:extLst>
       <p:ext uri="{BB962C8B-B14F-4D97-AF65-F5344CB8AC3E}">
-        <p14:creationId xmlns:p14="http://schemas.microsoft.com/office/powerpoint/2010/main" val="4156085279"/>
+        <p14:creationId xmlns:p14="http://schemas.microsoft.com/office/powerpoint/2010/main" val="3666552043"/>
       </p:ext>
     </p:extLst>
   </p:cSld>
@@ -12896,15 +13534,6 @@
 </file>
 
 <file path=customXml/item1.xml><?xml version="1.0" encoding="utf-8"?>
-<p:properties xmlns:p="http://schemas.microsoft.com/office/2006/metadata/properties" xmlns:xsi="http://www.w3.org/2001/XMLSchema-instance" xmlns:pc="http://schemas.microsoft.com/office/infopath/2007/PartnerControls">
-  <documentManagement>
-    <_ip_UnifiedCompliancePolicyUIAction xmlns="http://schemas.microsoft.com/sharepoint/v3" xsi:nil="true"/>
-    <_ip_UnifiedCompliancePolicyProperties xmlns="http://schemas.microsoft.com/sharepoint/v3" xsi:nil="true"/>
-  </documentManagement>
-</p:properties>
-</file>
-
-<file path=customXml/item2.xml><?xml version="1.0" encoding="utf-8"?>
 <ct:contentTypeSchema xmlns:ct="http://schemas.microsoft.com/office/2006/metadata/contentType" xmlns:ma="http://schemas.microsoft.com/office/2006/metadata/properties/metaAttributes" ct:_="" ma:_="" ma:contentTypeName="Document" ma:contentTypeID="0x010100DEEA25CC0A0AC24199CDC46C25B8B0BC" ma:contentTypeVersion="9" ma:contentTypeDescription="Create a new document." ma:contentTypeScope="" ma:versionID="76e25e1730b4532ab1d5e5b131a96a5a">
   <xsd:schema xmlns:xsd="http://www.w3.org/2001/XMLSchema" xmlns:xs="http://www.w3.org/2001/XMLSchema" xmlns:p="http://schemas.microsoft.com/office/2006/metadata/properties" xmlns:ns1="http://schemas.microsoft.com/sharepoint/v3" xmlns:ns2="6dc4bcd6-49db-4c07-9060-8acfc67cef9f" xmlns:ns3="fb0879af-3eba-417a-a55a-ffe6dcd6ca77" targetNamespace="http://schemas.microsoft.com/office/2006/metadata/properties" ma:root="true" ma:fieldsID="ad1e9281a84c4949647088091c718de3" ns1:_="" ns2:_="" ns3:_="">
     <xsd:import namespace="http://schemas.microsoft.com/sharepoint/v3"/>
@@ -13106,25 +13735,16 @@
 </ct:contentTypeSchema>
 </file>
 
-<file path=customXml/itemProps1.xml><?xml version="1.0" encoding="utf-8"?>
-<ds:datastoreItem xmlns:ds="http://schemas.openxmlformats.org/officeDocument/2006/customXml" ds:itemID="{8FB61CFE-D4DA-4753-A9A5-D482B9609A35}">
-  <ds:schemaRefs>
-    <ds:schemaRef ds:uri="http://schemas.microsoft.com/office/2006/metadata/properties"/>
-    <ds:schemaRef ds:uri="http://schemas.openxmlformats.org/package/2006/metadata/core-properties"/>
-    <ds:schemaRef ds:uri="http://purl.org/dc/elements/1.1/"/>
-    <ds:schemaRef ds:uri="http://schemas.microsoft.com/office/2006/documentManagement/types"/>
-    <ds:schemaRef ds:uri="http://schemas.microsoft.com/sharepoint/v3"/>
-    <ds:schemaRef ds:uri="http://purl.org/dc/terms/"/>
-    <ds:schemaRef ds:uri="http://schemas.microsoft.com/office/infopath/2007/PartnerControls"/>
-    <ds:schemaRef ds:uri="http://www.w3.org/XML/1998/namespace"/>
-    <ds:schemaRef ds:uri="fb0879af-3eba-417a-a55a-ffe6dcd6ca77"/>
-    <ds:schemaRef ds:uri="6dc4bcd6-49db-4c07-9060-8acfc67cef9f"/>
-    <ds:schemaRef ds:uri="http://purl.org/dc/dcmitype/"/>
-  </ds:schemaRefs>
-</ds:datastoreItem>
+<file path=customXml/item2.xml><?xml version="1.0" encoding="utf-8"?>
+<p:properties xmlns:p="http://schemas.microsoft.com/office/2006/metadata/properties" xmlns:xsi="http://www.w3.org/2001/XMLSchema-instance" xmlns:pc="http://schemas.microsoft.com/office/infopath/2007/PartnerControls">
+  <documentManagement>
+    <_ip_UnifiedCompliancePolicyUIAction xmlns="http://schemas.microsoft.com/sharepoint/v3" xsi:nil="true"/>
+    <_ip_UnifiedCompliancePolicyProperties xmlns="http://schemas.microsoft.com/sharepoint/v3" xsi:nil="true"/>
+  </documentManagement>
+</p:properties>
 </file>
 
-<file path=customXml/itemProps2.xml><?xml version="1.0" encoding="utf-8"?>
+<file path=customXml/itemProps1.xml><?xml version="1.0" encoding="utf-8"?>
 <ds:datastoreItem xmlns:ds="http://schemas.openxmlformats.org/officeDocument/2006/customXml" ds:itemID="{58A784AD-7888-482C-A72A-80D3063962ED}">
   <ds:schemaRefs>
     <ds:schemaRef ds:uri="http://schemas.microsoft.com/office/2006/metadata/contentType"/>
@@ -13142,4 +13762,22 @@
     <ds:schemaRef ds:uri="http://schemas.microsoft.com/internal/obd"/>
   </ds:schemaRefs>
 </ds:datastoreItem>
+</file>
+
+<file path=customXml/itemProps2.xml><?xml version="1.0" encoding="utf-8"?>
+<ds:datastoreItem xmlns:ds="http://schemas.openxmlformats.org/officeDocument/2006/customXml" ds:itemID="{8FB61CFE-D4DA-4753-A9A5-D482B9609A35}">
+  <ds:schemaRefs>
+    <ds:schemaRef ds:uri="http://schemas.microsoft.com/office/2006/metadata/properties"/>
+    <ds:schemaRef ds:uri="http://schemas.openxmlformats.org/package/2006/metadata/core-properties"/>
+    <ds:schemaRef ds:uri="http://purl.org/dc/elements/1.1/"/>
+    <ds:schemaRef ds:uri="http://schemas.microsoft.com/office/2006/documentManagement/types"/>
+    <ds:schemaRef ds:uri="http://schemas.microsoft.com/sharepoint/v3"/>
+    <ds:schemaRef ds:uri="http://purl.org/dc/terms/"/>
+    <ds:schemaRef ds:uri="http://schemas.microsoft.com/office/infopath/2007/PartnerControls"/>
+    <ds:schemaRef ds:uri="http://www.w3.org/XML/1998/namespace"/>
+    <ds:schemaRef ds:uri="fb0879af-3eba-417a-a55a-ffe6dcd6ca77"/>
+    <ds:schemaRef ds:uri="6dc4bcd6-49db-4c07-9060-8acfc67cef9f"/>
+    <ds:schemaRef ds:uri="http://purl.org/dc/dcmitype/"/>
+  </ds:schemaRefs>
+</ds:datastoreItem>
 </file>